--- a/LaTeX-поделки/poster2018summer.pptx
+++ b/LaTeX-поделки/poster2018summer.pptx
@@ -289,7 +289,7 @@
             <a:fld id="{9E125DD6-F431-40D1-A114-89A2FE7B9B8E}" type="datetimeFigureOut">
               <a:rPr lang="ru-RU" smtClean="0"/>
               <a:pPr/>
-              <a:t>18.08.2018</a:t>
+              <a:t>19.08.2018</a:t>
             </a:fld>
             <a:endParaRPr lang="ru-RU"/>
           </a:p>
@@ -456,7 +456,7 @@
             <a:fld id="{9E125DD6-F431-40D1-A114-89A2FE7B9B8E}" type="datetimeFigureOut">
               <a:rPr lang="ru-RU" smtClean="0"/>
               <a:pPr/>
-              <a:t>18.08.2018</a:t>
+              <a:t>19.08.2018</a:t>
             </a:fld>
             <a:endParaRPr lang="ru-RU"/>
           </a:p>
@@ -633,7 +633,7 @@
             <a:fld id="{9E125DD6-F431-40D1-A114-89A2FE7B9B8E}" type="datetimeFigureOut">
               <a:rPr lang="ru-RU" smtClean="0"/>
               <a:pPr/>
-              <a:t>18.08.2018</a:t>
+              <a:t>19.08.2018</a:t>
             </a:fld>
             <a:endParaRPr lang="ru-RU"/>
           </a:p>
@@ -800,7 +800,7 @@
             <a:fld id="{9E125DD6-F431-40D1-A114-89A2FE7B9B8E}" type="datetimeFigureOut">
               <a:rPr lang="ru-RU" smtClean="0"/>
               <a:pPr/>
-              <a:t>18.08.2018</a:t>
+              <a:t>19.08.2018</a:t>
             </a:fld>
             <a:endParaRPr lang="ru-RU"/>
           </a:p>
@@ -1043,7 +1043,7 @@
             <a:fld id="{9E125DD6-F431-40D1-A114-89A2FE7B9B8E}" type="datetimeFigureOut">
               <a:rPr lang="ru-RU" smtClean="0"/>
               <a:pPr/>
-              <a:t>18.08.2018</a:t>
+              <a:t>19.08.2018</a:t>
             </a:fld>
             <a:endParaRPr lang="ru-RU"/>
           </a:p>
@@ -1328,7 +1328,7 @@
             <a:fld id="{9E125DD6-F431-40D1-A114-89A2FE7B9B8E}" type="datetimeFigureOut">
               <a:rPr lang="ru-RU" smtClean="0"/>
               <a:pPr/>
-              <a:t>18.08.2018</a:t>
+              <a:t>19.08.2018</a:t>
             </a:fld>
             <a:endParaRPr lang="ru-RU"/>
           </a:p>
@@ -1747,7 +1747,7 @@
             <a:fld id="{9E125DD6-F431-40D1-A114-89A2FE7B9B8E}" type="datetimeFigureOut">
               <a:rPr lang="ru-RU" smtClean="0"/>
               <a:pPr/>
-              <a:t>18.08.2018</a:t>
+              <a:t>19.08.2018</a:t>
             </a:fld>
             <a:endParaRPr lang="ru-RU"/>
           </a:p>
@@ -1862,7 +1862,7 @@
             <a:fld id="{9E125DD6-F431-40D1-A114-89A2FE7B9B8E}" type="datetimeFigureOut">
               <a:rPr lang="ru-RU" smtClean="0"/>
               <a:pPr/>
-              <a:t>18.08.2018</a:t>
+              <a:t>19.08.2018</a:t>
             </a:fld>
             <a:endParaRPr lang="ru-RU"/>
           </a:p>
@@ -1954,7 +1954,7 @@
             <a:fld id="{9E125DD6-F431-40D1-A114-89A2FE7B9B8E}" type="datetimeFigureOut">
               <a:rPr lang="ru-RU" smtClean="0"/>
               <a:pPr/>
-              <a:t>18.08.2018</a:t>
+              <a:t>19.08.2018</a:t>
             </a:fld>
             <a:endParaRPr lang="ru-RU"/>
           </a:p>
@@ -2228,7 +2228,7 @@
             <a:fld id="{9E125DD6-F431-40D1-A114-89A2FE7B9B8E}" type="datetimeFigureOut">
               <a:rPr lang="ru-RU" smtClean="0"/>
               <a:pPr/>
-              <a:t>18.08.2018</a:t>
+              <a:t>19.08.2018</a:t>
             </a:fld>
             <a:endParaRPr lang="ru-RU"/>
           </a:p>
@@ -2478,7 +2478,7 @@
             <a:fld id="{9E125DD6-F431-40D1-A114-89A2FE7B9B8E}" type="datetimeFigureOut">
               <a:rPr lang="ru-RU" smtClean="0"/>
               <a:pPr/>
-              <a:t>18.08.2018</a:t>
+              <a:t>19.08.2018</a:t>
             </a:fld>
             <a:endParaRPr lang="ru-RU"/>
           </a:p>
@@ -2688,7 +2688,7 @@
             <a:fld id="{9E125DD6-F431-40D1-A114-89A2FE7B9B8E}" type="datetimeFigureOut">
               <a:rPr lang="ru-RU" smtClean="0"/>
               <a:pPr/>
-              <a:t>18.08.2018</a:t>
+              <a:t>19.08.2018</a:t>
             </a:fld>
             <a:endParaRPr lang="ru-RU"/>
           </a:p>
@@ -3906,7 +3906,7 @@
         </p:nvSpPr>
         <p:spPr>
           <a:xfrm>
-            <a:off x="336104" y="3952528"/>
+            <a:off x="336104" y="3880520"/>
             <a:ext cx="4392488" cy="276999"/>
           </a:xfrm>
           <a:prstGeom prst="rect">
@@ -3933,15 +3933,7 @@
                   <a:schemeClr val="bg1"/>
                 </a:solidFill>
               </a:rPr>
-              <a:t>Squaring parameterization of density </a:t>
-            </a:r>
-            <a:r>
-              <a:rPr lang="en-US" sz="1200" dirty="0" smtClean="0">
-                <a:solidFill>
-                  <a:schemeClr val="bg1"/>
-                </a:solidFill>
-              </a:rPr>
-              <a:t>matrix [1]</a:t>
+              <a:t>Squaring parameterization of density matrix [1]</a:t>
             </a:r>
             <a:endParaRPr lang="ru-RU" sz="1200" dirty="0">
               <a:solidFill>
@@ -3959,8 +3951,8 @@
         </p:nvSpPr>
         <p:spPr>
           <a:xfrm>
-            <a:off x="336104" y="4240560"/>
-            <a:ext cx="4392488" cy="1477328"/>
+            <a:off x="336104" y="4168552"/>
+            <a:ext cx="4392488" cy="1631216"/>
           </a:xfrm>
           <a:prstGeom prst="rect">
             <a:avLst/>
@@ -3998,25 +3990,19 @@
           <a:p>
             <a:r>
               <a:rPr lang="en-US" sz="1000" dirty="0" smtClean="0"/>
-              <a:t>Basis</a:t>
-            </a:r>
+              <a:t>Basis:</a:t>
+            </a:r>
+          </a:p>
+          <a:p>
+            <a:endParaRPr lang="en-US" sz="1000" dirty="0" smtClean="0"/>
+          </a:p>
+          <a:p>
             <a:r>
               <a:rPr lang="en-US" sz="1000" dirty="0" smtClean="0"/>
-              <a:t>:</a:t>
-            </a:r>
-          </a:p>
-          <a:p>
-            <a:endParaRPr lang="en-US" sz="1000" dirty="0"/>
-          </a:p>
-          <a:p>
-            <a:r>
-              <a:rPr lang="en-US" sz="1000" dirty="0" smtClean="0"/>
-              <a:t>See illustrations in poster by Elena </a:t>
-            </a:r>
-            <a:r>
-              <a:rPr lang="en-US" sz="1000" dirty="0" err="1" smtClean="0"/>
-              <a:t>Shpagina</a:t>
-            </a:r>
+              <a:t>Basis overflow:</a:t>
+            </a:r>
+          </a:p>
+          <a:p>
             <a:endParaRPr lang="en-US" sz="1000" dirty="0" smtClean="0"/>
           </a:p>
         </p:txBody>
@@ -4030,7 +4016,7 @@
           <p:nvPr/>
         </p:nvGraphicFramePr>
         <p:xfrm>
-          <a:off x="408112" y="4240560"/>
+          <a:off x="408112" y="4168552"/>
           <a:ext cx="3302000" cy="228600"/>
         </p:xfrm>
         <a:graphic>
@@ -4088,7 +4074,7 @@
           <p:nvPr/>
         </p:nvGraphicFramePr>
         <p:xfrm>
-          <a:off x="408112" y="4456584"/>
+          <a:off x="408112" y="4384576"/>
           <a:ext cx="3924300" cy="419100"/>
         </p:xfrm>
         <a:graphic>
@@ -4108,7 +4094,7 @@
           <p:nvPr/>
         </p:nvGraphicFramePr>
         <p:xfrm>
-          <a:off x="1272208" y="4888632"/>
+          <a:off x="1272208" y="4816624"/>
           <a:ext cx="2235200" cy="635000"/>
         </p:xfrm>
         <a:graphic>
@@ -4127,7 +4113,7 @@
         </p:nvSpPr>
         <p:spPr>
           <a:xfrm>
-            <a:off x="336104" y="5824736"/>
+            <a:off x="336104" y="5896744"/>
             <a:ext cx="4392488" cy="276999"/>
           </a:xfrm>
           <a:prstGeom prst="rect">
@@ -4172,7 +4158,7 @@
         </p:nvSpPr>
         <p:spPr>
           <a:xfrm>
-            <a:off x="336104" y="6112768"/>
+            <a:off x="336104" y="6184776"/>
             <a:ext cx="4392488" cy="3785652"/>
           </a:xfrm>
           <a:prstGeom prst="rect">
@@ -4243,68 +4229,55 @@
             </a:pPr>
             <a:r>
               <a:rPr lang="en-US" sz="1000" dirty="0" smtClean="0"/>
-              <a:t>Scalar </a:t>
-            </a:r>
+              <a:t>Scalar product of matrices also was implemented in Wolfram Mathematica:</a:t>
+            </a:r>
+          </a:p>
+          <a:p>
+            <a:endParaRPr lang="en-US" sz="1000" dirty="0" smtClean="0"/>
+          </a:p>
+          <a:p>
+            <a:endParaRPr lang="en-US" sz="1000" dirty="0"/>
+          </a:p>
+          <a:p>
+            <a:endParaRPr lang="en-US" sz="1000" dirty="0" smtClean="0"/>
+          </a:p>
+          <a:p>
+            <a:endParaRPr lang="en-US" sz="1000" dirty="0"/>
+          </a:p>
+          <a:p>
+            <a:endParaRPr lang="en-US" sz="1000" dirty="0" smtClean="0"/>
+          </a:p>
+          <a:p>
+            <a:endParaRPr lang="en-US" sz="1000" dirty="0"/>
+          </a:p>
+          <a:p>
+            <a:endParaRPr lang="en-US" sz="1000" dirty="0" smtClean="0"/>
+          </a:p>
+          <a:p>
+            <a:endParaRPr lang="en-US" sz="1000" dirty="0" smtClean="0"/>
+          </a:p>
+          <a:p>
+            <a:endParaRPr lang="en-US" sz="1000" dirty="0" smtClean="0"/>
+          </a:p>
+          <a:p>
+            <a:endParaRPr lang="en-US" sz="1000" dirty="0" smtClean="0"/>
+          </a:p>
+          <a:p>
             <a:r>
               <a:rPr lang="en-US" sz="1000" dirty="0" smtClean="0"/>
-              <a:t>product of </a:t>
+              <a:t>                                                                                                         Illustration </a:t>
             </a:r>
             <a:r>
               <a:rPr lang="en-US" sz="1000" dirty="0" smtClean="0"/>
-              <a:t>matrices </a:t>
+              <a:t>from </a:t>
             </a:r>
             <a:r>
               <a:rPr lang="en-US" sz="1000" dirty="0" smtClean="0"/>
-              <a:t>also was </a:t>
+              <a:t>[6</a:t>
             </a:r>
             <a:r>
               <a:rPr lang="en-US" sz="1000" dirty="0" smtClean="0"/>
-              <a:t>implemented in Wolfram </a:t>
-            </a:r>
-            <a:r>
-              <a:rPr lang="en-US" sz="1000" dirty="0" smtClean="0"/>
-              <a:t>Mathematica</a:t>
-            </a:r>
-            <a:r>
-              <a:rPr lang="en-US" sz="1000" dirty="0" smtClean="0"/>
-              <a:t>:</a:t>
-            </a:r>
-            <a:endParaRPr lang="en-US" sz="1000" dirty="0" smtClean="0"/>
-          </a:p>
-          <a:p>
-            <a:endParaRPr lang="en-US" sz="1000" dirty="0" smtClean="0"/>
-          </a:p>
-          <a:p>
-            <a:endParaRPr lang="en-US" sz="1000" dirty="0"/>
-          </a:p>
-          <a:p>
-            <a:endParaRPr lang="en-US" sz="1000" dirty="0" smtClean="0"/>
-          </a:p>
-          <a:p>
-            <a:endParaRPr lang="en-US" sz="1000" dirty="0"/>
-          </a:p>
-          <a:p>
-            <a:endParaRPr lang="en-US" sz="1000" dirty="0" smtClean="0"/>
-          </a:p>
-          <a:p>
-            <a:endParaRPr lang="en-US" sz="1000" dirty="0"/>
-          </a:p>
-          <a:p>
-            <a:endParaRPr lang="en-US" sz="1000" dirty="0" smtClean="0"/>
-          </a:p>
-          <a:p>
-            <a:endParaRPr lang="en-US" sz="1000" dirty="0" smtClean="0"/>
-          </a:p>
-          <a:p>
-            <a:endParaRPr lang="en-US" sz="1000" dirty="0" smtClean="0"/>
-          </a:p>
-          <a:p>
-            <a:endParaRPr lang="en-US" sz="1000" dirty="0" smtClean="0"/>
-          </a:p>
-          <a:p>
-            <a:r>
-              <a:rPr lang="en-US" sz="1000" dirty="0" smtClean="0"/>
-              <a:t>                                                                                                         Illustration from [6]</a:t>
+              <a:t>]</a:t>
             </a:r>
           </a:p>
         </p:txBody>
@@ -4318,7 +4291,7 @@
           <p:nvPr/>
         </p:nvGraphicFramePr>
         <p:xfrm>
-          <a:off x="2712368" y="6112768"/>
+          <a:off x="2712368" y="6184776"/>
           <a:ext cx="1371600" cy="203200"/>
         </p:xfrm>
         <a:graphic>
@@ -4338,7 +4311,7 @@
           <p:nvPr/>
         </p:nvGraphicFramePr>
         <p:xfrm>
-          <a:off x="480120" y="6472808"/>
+          <a:off x="480120" y="6544816"/>
           <a:ext cx="3600400" cy="1461282"/>
         </p:xfrm>
         <a:graphic>
@@ -4363,7 +4336,7 @@
         </p:blipFill>
         <p:spPr>
           <a:xfrm>
-            <a:off x="3360440" y="8273008"/>
+            <a:off x="3360440" y="8345016"/>
             <a:ext cx="1152128" cy="1384375"/>
           </a:xfrm>
           <a:prstGeom prst="rect">
@@ -4380,7 +4353,7 @@
           <p:nvPr/>
         </p:nvGraphicFramePr>
         <p:xfrm>
-          <a:off x="408112" y="8201000"/>
+          <a:off x="408112" y="8273008"/>
           <a:ext cx="2882900" cy="1498600"/>
         </p:xfrm>
         <a:graphic>
@@ -4483,13 +4456,8 @@
             </a:r>
             <a:r>
               <a:rPr lang="en-US" sz="1000" dirty="0" smtClean="0"/>
-              <a:t>/N </a:t>
-            </a:r>
-            <a:r>
-              <a:rPr lang="en-US" sz="1000" dirty="0" smtClean="0"/>
-              <a:t>&gt; 3</a:t>
-            </a:r>
-            <a:endParaRPr lang="en-US" sz="1000" dirty="0" smtClean="0"/>
+              <a:t>/N &gt; 3</a:t>
+            </a:r>
           </a:p>
           <a:p>
             <a:endParaRPr lang="en-US" sz="1000" dirty="0" smtClean="0"/>
@@ -4551,15 +4519,7 @@
             </a:r>
             <a:r>
               <a:rPr lang="en-US" sz="1000" dirty="0" smtClean="0"/>
-              <a:t> 2 = </a:t>
-            </a:r>
-            <a:r>
-              <a:rPr lang="en-US" sz="1000" dirty="0" smtClean="0"/>
-              <a:t>– </a:t>
-            </a:r>
-            <a:r>
-              <a:rPr lang="en-US" sz="1000" dirty="0" smtClean="0"/>
-              <a:t>1.7725</a:t>
+              <a:t> 2 = – 1.7725</a:t>
             </a:r>
             <a:endParaRPr lang="ru-RU" sz="1000" dirty="0"/>
           </a:p>
@@ -4597,11 +4557,7 @@
             </a:pPr>
             <a:r>
               <a:rPr lang="en-US" sz="900" dirty="0" smtClean="0"/>
-              <a:t>N</a:t>
-            </a:r>
-            <a:r>
-              <a:rPr lang="en-US" sz="900" dirty="0" smtClean="0"/>
-              <a:t>. </a:t>
+              <a:t>N. </a:t>
             </a:r>
             <a:r>
               <a:rPr lang="en-US" sz="900" dirty="0" err="1" smtClean="0"/>
@@ -4649,11 +4605,7 @@
             </a:r>
             <a:r>
               <a:rPr lang="en-US" sz="900" dirty="0" smtClean="0"/>
-              <a:t>. 51 (2018) </a:t>
-            </a:r>
-            <a:r>
-              <a:rPr lang="en-US" sz="900" dirty="0" smtClean="0"/>
-              <a:t>085301</a:t>
+              <a:t>. 51 (2018) 085301</a:t>
             </a:r>
           </a:p>
           <a:p>
@@ -4662,11 +4614,7 @@
             </a:pPr>
             <a:r>
               <a:rPr lang="en-US" sz="900" dirty="0" smtClean="0"/>
-              <a:t>R</a:t>
-            </a:r>
-            <a:r>
-              <a:rPr lang="en-US" sz="900" dirty="0" smtClean="0"/>
-              <a:t>. </a:t>
+              <a:t>R. </a:t>
             </a:r>
             <a:r>
               <a:rPr lang="en-US" sz="900" dirty="0" err="1" smtClean="0"/>
@@ -4690,19 +4638,7 @@
             </a:r>
             <a:r>
               <a:rPr lang="en-US" sz="900" dirty="0" smtClean="0"/>
-              <a:t> </a:t>
-            </a:r>
-            <a:r>
-              <a:rPr lang="en-US" sz="900" dirty="0" smtClean="0"/>
-              <a:t>Heisenberg </a:t>
-            </a:r>
-            <a:r>
-              <a:rPr lang="en-US" sz="900" dirty="0" smtClean="0"/>
-              <a:t>model Physical review B , </a:t>
-            </a:r>
-            <a:r>
-              <a:rPr lang="en-US" sz="900" dirty="0" smtClean="0"/>
-              <a:t>1990.</a:t>
+              <a:t> Heisenberg model Physical review B , 1990.</a:t>
             </a:r>
           </a:p>
           <a:p>
@@ -4711,11 +4647,7 @@
             </a:pPr>
             <a:r>
               <a:rPr lang="en-US" sz="900" dirty="0" smtClean="0"/>
-              <a:t>P</a:t>
-            </a:r>
-            <a:r>
-              <a:rPr lang="en-US" sz="900" dirty="0" smtClean="0"/>
-              <a:t>. W. Anderson, Limits on the Energy of the </a:t>
+              <a:t>P. W. Anderson, Limits on the Energy of the </a:t>
             </a:r>
             <a:r>
               <a:rPr lang="en-US" sz="900" dirty="0" err="1" smtClean="0"/>
@@ -4723,11 +4655,7 @@
             </a:r>
             <a:r>
               <a:rPr lang="en-US" sz="900" dirty="0" smtClean="0"/>
-              <a:t> Ground State, Letters to the editor </a:t>
-            </a:r>
-            <a:r>
-              <a:rPr lang="en-US" sz="900" dirty="0" smtClean="0"/>
-              <a:t>1951</a:t>
+              <a:t> Ground State, Letters to the editor 1951</a:t>
             </a:r>
           </a:p>
           <a:p>
@@ -4740,11 +4668,7 @@
             </a:r>
             <a:r>
               <a:rPr lang="en-US" sz="900" dirty="0" smtClean="0"/>
-              <a:t> </a:t>
-            </a:r>
-            <a:r>
-              <a:rPr lang="en-US" sz="900" dirty="0" smtClean="0"/>
-              <a:t>Baumgratz1 and Martin B </a:t>
+              <a:t> Baumgratz1 and Martin B </a:t>
             </a:r>
             <a:r>
               <a:rPr lang="en-US" sz="900" dirty="0" err="1" smtClean="0"/>
@@ -4752,11 +4676,7 @@
             </a:r>
             <a:r>
               <a:rPr lang="en-US" sz="900" dirty="0" smtClean="0"/>
-              <a:t>, Lower bounds for ground states of condensed matter systems.	New Journal of Physics 14 (2012) 023027 (</a:t>
-            </a:r>
-            <a:r>
-              <a:rPr lang="en-US" sz="900" dirty="0" smtClean="0"/>
-              <a:t>21pp)</a:t>
+              <a:t>, Lower bounds for ground states of condensed matter systems.	New Journal of Physics 14 (2012) 023027 (21pp)</a:t>
             </a:r>
           </a:p>
           <a:p>
@@ -4765,11 +4685,7 @@
             </a:pPr>
             <a:r>
               <a:rPr lang="en-US" sz="900" dirty="0" smtClean="0"/>
-              <a:t>David </a:t>
-            </a:r>
-            <a:r>
-              <a:rPr lang="en-US" sz="900" dirty="0" smtClean="0"/>
-              <a:t>A. </a:t>
+              <a:t>David A. </a:t>
             </a:r>
             <a:r>
               <a:rPr lang="en-US" sz="900" dirty="0" err="1" smtClean="0"/>
@@ -4777,19 +4693,7 @@
             </a:r>
             <a:r>
               <a:rPr lang="en-US" sz="900" dirty="0" smtClean="0"/>
-              <a:t>, Variational minimization of atomic and molecular ground-state energies via the two-particle reduced density matrix, </a:t>
-            </a:r>
-            <a:r>
-              <a:rPr lang="en-US" sz="900" dirty="0" smtClean="0"/>
-              <a:t> PHYSICAL </a:t>
-            </a:r>
-            <a:r>
-              <a:rPr lang="en-US" sz="900" dirty="0" smtClean="0"/>
-              <a:t>REVIEW A, VOLUME 65, (2002) </a:t>
-            </a:r>
-            <a:r>
-              <a:rPr lang="en-US" sz="900" dirty="0" smtClean="0"/>
-              <a:t>062511</a:t>
+              <a:t>, Variational minimization of atomic and molecular ground-state energies via the two-particle reduced density matrix,  PHYSICAL REVIEW A, VOLUME 65, (2002) 062511</a:t>
             </a:r>
           </a:p>
           <a:p>
@@ -4798,11 +4702,7 @@
             </a:pPr>
             <a:r>
               <a:rPr lang="en-US" sz="900" dirty="0" smtClean="0"/>
-              <a:t>K.S.D</a:t>
-            </a:r>
-            <a:r>
-              <a:rPr lang="en-US" sz="900" dirty="0" smtClean="0"/>
-              <a:t>. Beach, A.W. </a:t>
+              <a:t>K.S.D. Beach, A.W. </a:t>
             </a:r>
             <a:r>
               <a:rPr lang="en-US" sz="900" dirty="0" err="1" smtClean="0"/>
@@ -4810,11 +4710,7 @@
             </a:r>
             <a:r>
               <a:rPr lang="en-US" sz="900" dirty="0" smtClean="0"/>
-              <a:t>  Some formal results for the valence bond basis Nuclear Physics B 750 [FS] (2006) </a:t>
-            </a:r>
-            <a:r>
-              <a:rPr lang="en-US" sz="900" dirty="0" smtClean="0"/>
-              <a:t>142–178</a:t>
+              <a:t>  Some formal results for the valence bond basis Nuclear Physics B 750 [FS] (2006) 142–178</a:t>
             </a:r>
           </a:p>
           <a:p>
@@ -4823,11 +4719,7 @@
             </a:pPr>
             <a:r>
               <a:rPr lang="en-US" sz="900" dirty="0" smtClean="0"/>
-              <a:t>Daniel </a:t>
-            </a:r>
-            <a:r>
-              <a:rPr lang="en-US" sz="900" dirty="0" smtClean="0"/>
-              <a:t>C. </a:t>
+              <a:t>Daniel C. </a:t>
             </a:r>
             <a:r>
               <a:rPr lang="en-US" sz="900" dirty="0" err="1" smtClean="0"/>
@@ -4843,11 +4735,7 @@
             </a:r>
             <a:r>
               <a:rPr lang="en-US" sz="900" dirty="0" smtClean="0"/>
-              <a:t> for Spins s=1/2 and s=1 in d=1 and 2 Dimensions. PHYSICAL REVIEW LETTERS, VOLUME 61, (</a:t>
-            </a:r>
-            <a:r>
-              <a:rPr lang="en-US" sz="900" dirty="0" smtClean="0"/>
-              <a:t>1988)</a:t>
+              <a:t> for Spins s=1/2 and s=1 in d=1 and 2 Dimensions. PHYSICAL REVIEW LETTERS, VOLUME 61, (1988)</a:t>
             </a:r>
           </a:p>
           <a:p>
@@ -4860,13 +4748,8 @@
             </a:r>
             <a:r>
               <a:rPr lang="ru-RU" sz="900" dirty="0" smtClean="0"/>
-              <a:t>. Теория магнетизма. Москва, Мир, </a:t>
-            </a:r>
-            <a:r>
-              <a:rPr lang="ru-RU" sz="900" dirty="0" smtClean="0"/>
-              <a:t>1967</a:t>
-            </a:r>
-            <a:endParaRPr lang="ru-RU" sz="900" dirty="0" smtClean="0"/>
+              <a:t>. Теория магнетизма. Москва, Мир, 1967</a:t>
+            </a:r>
           </a:p>
         </p:txBody>
       </p:sp>
@@ -4968,15 +4851,7 @@
           <a:p>
             <a:r>
               <a:rPr lang="en-US" sz="1000" dirty="0" smtClean="0"/>
-              <a:t>We </a:t>
-            </a:r>
-            <a:r>
-              <a:rPr lang="en-US" sz="1000" dirty="0" smtClean="0"/>
-              <a:t>take into account the symmetries </a:t>
-            </a:r>
-            <a:r>
-              <a:rPr lang="en-US" sz="1000" dirty="0" smtClean="0"/>
-              <a:t>of commutation of spins in cluster.</a:t>
+              <a:t>We take into account the symmetries of commutation of spins in cluster.</a:t>
             </a:r>
           </a:p>
           <a:p>
@@ -5215,6 +5090,8 @@
               <a:rPr lang="en-US" sz="1000" dirty="0" smtClean="0"/>
               <a:t>Lagrange method:</a:t>
             </a:r>
+          </a:p>
+          <a:p>
             <a:endParaRPr lang="en-US" sz="1000" dirty="0" smtClean="0"/>
           </a:p>
           <a:p>
@@ -5233,16 +5110,9 @@
             <a:endParaRPr lang="en-US" sz="1000" dirty="0" smtClean="0"/>
           </a:p>
           <a:p>
-            <a:endParaRPr lang="en-US" sz="1000" dirty="0" smtClean="0"/>
-          </a:p>
-          <a:p>
             <a:r>
               <a:rPr lang="en-US" sz="1000" dirty="0" smtClean="0"/>
-              <a:t>If we don’t take </a:t>
-            </a:r>
-            <a:r>
-              <a:rPr lang="en-US" sz="1000" dirty="0" smtClean="0"/>
-              <a:t>into account the symmetries of commutation of spins</a:t>
+              <a:t>If we don’t take into account the symmetries of commutation of spins</a:t>
             </a:r>
           </a:p>
           <a:p>
@@ -5250,7 +5120,6 @@
               <a:rPr lang="en-US" sz="1000" dirty="0" smtClean="0"/>
               <a:t>Variational method is identical to Schrodinger equation</a:t>
             </a:r>
-            <a:endParaRPr lang="en-US" sz="1000" dirty="0" smtClean="0"/>
           </a:p>
           <a:p>
             <a:endParaRPr lang="ru-RU" sz="1000" dirty="0"/>
@@ -5790,6 +5659,26 @@
           </a:prstGeom>
         </p:spPr>
       </p:pic>
+      <p:graphicFrame>
+        <p:nvGraphicFramePr>
+          <p:cNvPr id="66" name="Объект 65"/>
+          <p:cNvGraphicFramePr>
+            <a:graphicFrameLocks noChangeAspect="1"/>
+          </p:cNvGraphicFramePr>
+          <p:nvPr/>
+        </p:nvGraphicFramePr>
+        <p:xfrm>
+          <a:off x="408112" y="5536704"/>
+          <a:ext cx="4216400" cy="228600"/>
+        </p:xfrm>
+        <a:graphic>
+          <a:graphicData uri="http://schemas.openxmlformats.org/presentationml/2006/ole">
+            <p:oleObj spid="_x0000_s11301" name="Equation" r:id="rId39" imgW="4216320" imgH="228600" progId="Equation.DSMT4">
+              <p:embed/>
+            </p:oleObj>
+          </a:graphicData>
+        </a:graphic>
+      </p:graphicFrame>
     </p:spTree>
   </p:cSld>
   <p:clrMapOvr>

--- a/LaTeX-поделки/poster2018summer.pptx
+++ b/LaTeX-поделки/poster2018summer.pptx
@@ -289,7 +289,7 @@
             <a:fld id="{9E125DD6-F431-40D1-A114-89A2FE7B9B8E}" type="datetimeFigureOut">
               <a:rPr lang="ru-RU" smtClean="0"/>
               <a:pPr/>
-              <a:t>19.08.2018</a:t>
+              <a:t>10.09.2018</a:t>
             </a:fld>
             <a:endParaRPr lang="ru-RU"/>
           </a:p>
@@ -456,7 +456,7 @@
             <a:fld id="{9E125DD6-F431-40D1-A114-89A2FE7B9B8E}" type="datetimeFigureOut">
               <a:rPr lang="ru-RU" smtClean="0"/>
               <a:pPr/>
-              <a:t>19.08.2018</a:t>
+              <a:t>10.09.2018</a:t>
             </a:fld>
             <a:endParaRPr lang="ru-RU"/>
           </a:p>
@@ -633,7 +633,7 @@
             <a:fld id="{9E125DD6-F431-40D1-A114-89A2FE7B9B8E}" type="datetimeFigureOut">
               <a:rPr lang="ru-RU" smtClean="0"/>
               <a:pPr/>
-              <a:t>19.08.2018</a:t>
+              <a:t>10.09.2018</a:t>
             </a:fld>
             <a:endParaRPr lang="ru-RU"/>
           </a:p>
@@ -800,7 +800,7 @@
             <a:fld id="{9E125DD6-F431-40D1-A114-89A2FE7B9B8E}" type="datetimeFigureOut">
               <a:rPr lang="ru-RU" smtClean="0"/>
               <a:pPr/>
-              <a:t>19.08.2018</a:t>
+              <a:t>10.09.2018</a:t>
             </a:fld>
             <a:endParaRPr lang="ru-RU"/>
           </a:p>
@@ -1043,7 +1043,7 @@
             <a:fld id="{9E125DD6-F431-40D1-A114-89A2FE7B9B8E}" type="datetimeFigureOut">
               <a:rPr lang="ru-RU" smtClean="0"/>
               <a:pPr/>
-              <a:t>19.08.2018</a:t>
+              <a:t>10.09.2018</a:t>
             </a:fld>
             <a:endParaRPr lang="ru-RU"/>
           </a:p>
@@ -1328,7 +1328,7 @@
             <a:fld id="{9E125DD6-F431-40D1-A114-89A2FE7B9B8E}" type="datetimeFigureOut">
               <a:rPr lang="ru-RU" smtClean="0"/>
               <a:pPr/>
-              <a:t>19.08.2018</a:t>
+              <a:t>10.09.2018</a:t>
             </a:fld>
             <a:endParaRPr lang="ru-RU"/>
           </a:p>
@@ -1747,7 +1747,7 @@
             <a:fld id="{9E125DD6-F431-40D1-A114-89A2FE7B9B8E}" type="datetimeFigureOut">
               <a:rPr lang="ru-RU" smtClean="0"/>
               <a:pPr/>
-              <a:t>19.08.2018</a:t>
+              <a:t>10.09.2018</a:t>
             </a:fld>
             <a:endParaRPr lang="ru-RU"/>
           </a:p>
@@ -1862,7 +1862,7 @@
             <a:fld id="{9E125DD6-F431-40D1-A114-89A2FE7B9B8E}" type="datetimeFigureOut">
               <a:rPr lang="ru-RU" smtClean="0"/>
               <a:pPr/>
-              <a:t>19.08.2018</a:t>
+              <a:t>10.09.2018</a:t>
             </a:fld>
             <a:endParaRPr lang="ru-RU"/>
           </a:p>
@@ -1954,7 +1954,7 @@
             <a:fld id="{9E125DD6-F431-40D1-A114-89A2FE7B9B8E}" type="datetimeFigureOut">
               <a:rPr lang="ru-RU" smtClean="0"/>
               <a:pPr/>
-              <a:t>19.08.2018</a:t>
+              <a:t>10.09.2018</a:t>
             </a:fld>
             <a:endParaRPr lang="ru-RU"/>
           </a:p>
@@ -2228,7 +2228,7 @@
             <a:fld id="{9E125DD6-F431-40D1-A114-89A2FE7B9B8E}" type="datetimeFigureOut">
               <a:rPr lang="ru-RU" smtClean="0"/>
               <a:pPr/>
-              <a:t>19.08.2018</a:t>
+              <a:t>10.09.2018</a:t>
             </a:fld>
             <a:endParaRPr lang="ru-RU"/>
           </a:p>
@@ -2478,7 +2478,7 @@
             <a:fld id="{9E125DD6-F431-40D1-A114-89A2FE7B9B8E}" type="datetimeFigureOut">
               <a:rPr lang="ru-RU" smtClean="0"/>
               <a:pPr/>
-              <a:t>19.08.2018</a:t>
+              <a:t>10.09.2018</a:t>
             </a:fld>
             <a:endParaRPr lang="ru-RU"/>
           </a:p>
@@ -2688,7 +2688,7 @@
             <a:fld id="{9E125DD6-F431-40D1-A114-89A2FE7B9B8E}" type="datetimeFigureOut">
               <a:rPr lang="ru-RU" smtClean="0"/>
               <a:pPr/>
-              <a:t>19.08.2018</a:t>
+              <a:t>10.09.2018</a:t>
             </a:fld>
             <a:endParaRPr lang="ru-RU"/>
           </a:p>
@@ -3061,6 +3061,118 @@
       </p:grpSpPr>
       <p:sp>
         <p:nvSpPr>
+          <p:cNvPr id="80" name="Прямоугольник 79"/>
+          <p:cNvSpPr/>
+          <p:nvPr/>
+        </p:nvSpPr>
+        <p:spPr>
+          <a:xfrm>
+            <a:off x="6240760" y="3736504"/>
+            <a:ext cx="1224136" cy="432048"/>
+          </a:xfrm>
+          <a:prstGeom prst="rect">
+            <a:avLst/>
+          </a:prstGeom>
+          <a:noFill/>
+          <a:ln>
+            <a:solidFill>
+              <a:srgbClr val="FF0000"/>
+            </a:solidFill>
+          </a:ln>
+        </p:spPr>
+        <p:style>
+          <a:lnRef idx="2">
+            <a:schemeClr val="accent1">
+              <a:shade val="50000"/>
+            </a:schemeClr>
+          </a:lnRef>
+          <a:fillRef idx="1">
+            <a:schemeClr val="accent1"/>
+          </a:fillRef>
+          <a:effectRef idx="0">
+            <a:schemeClr val="accent1"/>
+          </a:effectRef>
+          <a:fontRef idx="minor">
+            <a:schemeClr val="lt1"/>
+          </a:fontRef>
+        </p:style>
+        <p:txBody>
+          <a:bodyPr rtlCol="0" anchor="ctr"/>
+          <a:lstStyle/>
+          <a:p>
+            <a:pPr algn="ctr"/>
+            <a:endParaRPr lang="ru-RU"/>
+          </a:p>
+        </p:txBody>
+      </p:sp>
+      <p:graphicFrame>
+        <p:nvGraphicFramePr>
+          <p:cNvPr id="33" name="Объект 32"/>
+          <p:cNvGraphicFramePr>
+            <a:graphicFrameLocks noChangeAspect="1"/>
+          </p:cNvGraphicFramePr>
+          <p:nvPr/>
+        </p:nvGraphicFramePr>
+        <p:xfrm>
+          <a:off x="6240760" y="3736504"/>
+          <a:ext cx="1206500" cy="393700"/>
+        </p:xfrm>
+        <a:graphic>
+          <a:graphicData uri="http://schemas.openxmlformats.org/presentationml/2006/ole">
+            <p:oleObj spid="_x0000_s11279" name="Equation" r:id="rId3" imgW="1206360" imgH="393480" progId="Equation.DSMT4">
+              <p:embed/>
+            </p:oleObj>
+          </a:graphicData>
+        </a:graphic>
+      </p:graphicFrame>
+      <p:sp>
+        <p:nvSpPr>
+          <p:cNvPr id="79" name="Прямоугольник 78"/>
+          <p:cNvSpPr/>
+          <p:nvPr/>
+        </p:nvSpPr>
+        <p:spPr>
+          <a:xfrm>
+            <a:off x="408112" y="5320680"/>
+            <a:ext cx="3816424" cy="432048"/>
+          </a:xfrm>
+          <a:prstGeom prst="rect">
+            <a:avLst/>
+          </a:prstGeom>
+          <a:solidFill>
+            <a:schemeClr val="bg2"/>
+          </a:solidFill>
+          <a:ln>
+            <a:noFill/>
+          </a:ln>
+        </p:spPr>
+        <p:style>
+          <a:lnRef idx="2">
+            <a:schemeClr val="accent1">
+              <a:shade val="50000"/>
+            </a:schemeClr>
+          </a:lnRef>
+          <a:fillRef idx="1">
+            <a:schemeClr val="accent1"/>
+          </a:fillRef>
+          <a:effectRef idx="0">
+            <a:schemeClr val="accent1"/>
+          </a:effectRef>
+          <a:fontRef idx="minor">
+            <a:schemeClr val="lt1"/>
+          </a:fontRef>
+        </p:style>
+        <p:txBody>
+          <a:bodyPr rtlCol="0" anchor="ctr"/>
+          <a:lstStyle/>
+          <a:p>
+            <a:pPr algn="ctr"/>
+            <a:endParaRPr lang="ru-RU"/>
+          </a:p>
+        </p:txBody>
+      </p:sp>
+      <p:sp>
+        <p:nvSpPr>
           <p:cNvPr id="7" name="TextBox 6"/>
           <p:cNvSpPr txBox="1"/>
           <p:nvPr/>
@@ -3235,7 +3347,7 @@
           <p:nvPr/>
         </p:nvPicPr>
         <p:blipFill>
-          <a:blip r:embed="rId3" cstate="print"/>
+          <a:blip r:embed="rId4" cstate="print"/>
           <a:stretch>
             <a:fillRect/>
           </a:stretch>
@@ -3259,7 +3371,7 @@
           <p:nvPr/>
         </p:nvPicPr>
         <p:blipFill>
-          <a:blip r:embed="rId4" cstate="print"/>
+          <a:blip r:embed="rId5" cstate="print"/>
           <a:stretch>
             <a:fillRect/>
           </a:stretch>
@@ -3282,7 +3394,7 @@
         </p:nvSpPr>
         <p:spPr>
           <a:xfrm>
-            <a:off x="336104" y="1792288"/>
+            <a:off x="336104" y="1648272"/>
             <a:ext cx="4392488" cy="276999"/>
           </a:xfrm>
           <a:prstGeom prst="rect">
@@ -3327,8 +3439,8 @@
         </p:nvSpPr>
         <p:spPr>
           <a:xfrm>
-            <a:off x="336104" y="2080320"/>
-            <a:ext cx="4392488" cy="1754326"/>
+            <a:off x="336104" y="1936304"/>
+            <a:ext cx="4392488" cy="1569660"/>
           </a:xfrm>
           <a:prstGeom prst="rect">
             <a:avLst/>
@@ -3369,9 +3481,6 @@
           <a:p>
             <a:endParaRPr lang="en-US" sz="1200" dirty="0"/>
           </a:p>
-          <a:p>
-            <a:endParaRPr lang="ru-RU" sz="1200" dirty="0"/>
-          </a:p>
         </p:txBody>
       </p:sp>
       <p:sp>
@@ -3382,7 +3491,7 @@
         </p:nvSpPr>
         <p:spPr>
           <a:xfrm>
-            <a:off x="4872608" y="1792288"/>
+            <a:off x="4872608" y="1648272"/>
             <a:ext cx="4392488" cy="276999"/>
           </a:xfrm>
           <a:prstGeom prst="rect">
@@ -3428,14 +3537,14 @@
           <p:nvPr/>
         </p:nvPicPr>
         <p:blipFill>
-          <a:blip r:embed="rId5" cstate="print"/>
+          <a:blip r:embed="rId6" cstate="print"/>
           <a:stretch>
             <a:fillRect/>
           </a:stretch>
         </p:blipFill>
         <p:spPr>
           <a:xfrm>
-            <a:off x="480120" y="2152328"/>
+            <a:off x="480120" y="1936304"/>
             <a:ext cx="720080" cy="432048"/>
           </a:xfrm>
           <a:prstGeom prst="rect">
@@ -3452,7 +3561,7 @@
           <p:nvPr/>
         </p:nvPicPr>
         <p:blipFill>
-          <a:blip r:embed="rId6" cstate="print"/>
+          <a:blip r:embed="rId7" cstate="print"/>
           <a:srcRect/>
           <a:stretch>
             <a:fillRect/>
@@ -3460,7 +3569,7 @@
         </p:blipFill>
         <p:spPr bwMode="auto">
           <a:xfrm>
-            <a:off x="480120" y="2656384"/>
+            <a:off x="480120" y="2368352"/>
             <a:ext cx="648072" cy="433213"/>
           </a:xfrm>
           <a:prstGeom prst="rect">
@@ -3484,7 +3593,7 @@
         </p:nvSpPr>
         <p:spPr>
           <a:xfrm>
-            <a:off x="1416224" y="2152328"/>
+            <a:off x="1416224" y="2008312"/>
             <a:ext cx="3028393" cy="861774"/>
           </a:xfrm>
           <a:prstGeom prst="rect">
@@ -3500,7 +3609,11 @@
           <a:p>
             <a:r>
               <a:rPr lang="en-US" sz="1000" dirty="0" smtClean="0"/>
-              <a:t>Typical Hamiltonian:</a:t>
+              <a:t>Hamiltonian</a:t>
+            </a:r>
+            <a:r>
+              <a:rPr lang="en-US" sz="1000" dirty="0" smtClean="0"/>
+              <a:t>:</a:t>
             </a:r>
           </a:p>
           <a:p>
@@ -3509,7 +3622,7 @@
           <a:p>
             <a:r>
               <a:rPr lang="en-US" sz="1000" dirty="0" smtClean="0"/>
-              <a:t>where &lt;</a:t>
+              <a:t>&lt;</a:t>
             </a:r>
             <a:r>
               <a:rPr lang="en-US" sz="1000" dirty="0" err="1" smtClean="0"/>
@@ -3541,12 +3654,12 @@
           <p:nvPr/>
         </p:nvGraphicFramePr>
         <p:xfrm>
-          <a:off x="2856384" y="2152328"/>
+          <a:off x="2856384" y="2008312"/>
           <a:ext cx="1079500" cy="368300"/>
         </p:xfrm>
         <a:graphic>
           <a:graphicData uri="http://schemas.openxmlformats.org/presentationml/2006/ole">
-            <p:oleObj spid="_x0000_s11275" name="Equation" r:id="rId7" imgW="1079280" imgH="368280" progId="Equation.DSMT4">
+            <p:oleObj spid="_x0000_s11275" name="Equation" r:id="rId8" imgW="1079280" imgH="368280" progId="Equation.DSMT4">
               <p:embed/>
             </p:oleObj>
           </a:graphicData>
@@ -3561,12 +3674,12 @@
           <p:nvPr/>
         </p:nvGraphicFramePr>
         <p:xfrm>
-          <a:off x="1488232" y="3016424"/>
-          <a:ext cx="2451100" cy="711200"/>
+          <a:off x="480120" y="2800400"/>
+          <a:ext cx="3744416" cy="681854"/>
         </p:xfrm>
         <a:graphic>
           <a:graphicData uri="http://schemas.openxmlformats.org/presentationml/2006/ole">
-            <p:oleObj spid="_x0000_s11276" name="Equation" r:id="rId8" imgW="2450880" imgH="711000" progId="Equation.DSMT4">
+            <p:oleObj spid="_x0000_s11276" name="Equation" r:id="rId9" imgW="4114800" imgH="749160" progId="Equation.DSMT4">
               <p:embed/>
             </p:oleObj>
           </a:graphicData>
@@ -3580,8 +3693,8 @@
         </p:nvSpPr>
         <p:spPr>
           <a:xfrm>
-            <a:off x="4872608" y="2080320"/>
-            <a:ext cx="4392488" cy="3785652"/>
+            <a:off x="4872608" y="1936304"/>
+            <a:ext cx="4392488" cy="3939540"/>
           </a:xfrm>
           <a:prstGeom prst="rect">
             <a:avLst/>
@@ -3632,7 +3745,19 @@
             </a:r>
             <a:r>
               <a:rPr lang="en-US" sz="1000" dirty="0" smtClean="0"/>
-              <a:t> crystal to </a:t>
+              <a:t> </a:t>
+            </a:r>
+            <a:r>
+              <a:rPr lang="en-US" sz="1000" dirty="0" smtClean="0"/>
+              <a:t>lattice</a:t>
+            </a:r>
+            <a:r>
+              <a:rPr lang="en-US" sz="1000" dirty="0" smtClean="0"/>
+              <a:t> </a:t>
+            </a:r>
+            <a:r>
+              <a:rPr lang="en-US" sz="1000" dirty="0" smtClean="0"/>
+              <a:t>to </a:t>
             </a:r>
             <a:r>
               <a:rPr lang="en-US" sz="1000" b="1" i="1" dirty="0" smtClean="0"/>
@@ -3650,8 +3775,13 @@
             </a:r>
             <a:r>
               <a:rPr lang="en-US" sz="1000" dirty="0" smtClean="0"/>
-              <a:t>number of spins in crystal</a:t>
-            </a:r>
+              <a:t>number of spins in </a:t>
+            </a:r>
+            <a:r>
+              <a:rPr lang="en-US" sz="1000" dirty="0" smtClean="0"/>
+              <a:t>lattice</a:t>
+            </a:r>
+            <a:endParaRPr lang="en-US" sz="1000" dirty="0" smtClean="0"/>
           </a:p>
           <a:p>
             <a:r>
@@ -3674,7 +3804,19 @@
             </a:r>
             <a:r>
               <a:rPr lang="en-US" sz="1000" dirty="0" smtClean="0"/>
-              <a:t>number of bonds by 1 spin</a:t>
+              <a:t>number of bonds </a:t>
+            </a:r>
+            <a:r>
+              <a:rPr lang="en-US" sz="1000" dirty="0" smtClean="0"/>
+              <a:t>per</a:t>
+            </a:r>
+            <a:r>
+              <a:rPr lang="en-US" sz="1000" dirty="0" smtClean="0"/>
+              <a:t> </a:t>
+            </a:r>
+            <a:r>
+              <a:rPr lang="en-US" sz="1000" dirty="0" smtClean="0"/>
+              <a:t>1 spin</a:t>
             </a:r>
             <a:endParaRPr lang="ru-RU" sz="1000" dirty="0" smtClean="0"/>
           </a:p>
@@ -3781,6 +3923,13 @@
               <a:buChar char="•"/>
             </a:pPr>
             <a:endParaRPr lang="en-US" sz="1000" dirty="0"/>
+          </a:p>
+          <a:p>
+            <a:pPr>
+              <a:buFont typeface="Arial" pitchFamily="34" charset="0"/>
+              <a:buChar char="•"/>
+            </a:pPr>
+            <a:endParaRPr lang="en-US" sz="1000" dirty="0" smtClean="0"/>
           </a:p>
           <a:p>
             <a:pPr>
@@ -3807,12 +3956,12 @@
           <p:nvPr/>
         </p:nvGraphicFramePr>
         <p:xfrm>
-          <a:off x="6312768" y="2152328"/>
+          <a:off x="6312768" y="2008312"/>
           <a:ext cx="1384300" cy="241300"/>
         </p:xfrm>
         <a:graphic>
           <a:graphicData uri="http://schemas.openxmlformats.org/presentationml/2006/ole">
-            <p:oleObj spid="_x0000_s11277" name="Equation" r:id="rId9" imgW="1384200" imgH="241200" progId="Equation.DSMT4">
+            <p:oleObj spid="_x0000_s11277" name="Equation" r:id="rId10" imgW="1384200" imgH="241200" progId="Equation.DSMT4">
               <p:embed/>
             </p:oleObj>
           </a:graphicData>
@@ -3827,32 +3976,12 @@
           <p:nvPr/>
         </p:nvGraphicFramePr>
         <p:xfrm>
-          <a:off x="6240760" y="3520480"/>
+          <a:off x="6240760" y="3376464"/>
           <a:ext cx="2463800" cy="431800"/>
         </p:xfrm>
         <a:graphic>
           <a:graphicData uri="http://schemas.openxmlformats.org/presentationml/2006/ole">
-            <p:oleObj spid="_x0000_s11278" name="Equation" r:id="rId10" imgW="2463480" imgH="431640" progId="Equation.DSMT4">
-              <p:embed/>
-            </p:oleObj>
-          </a:graphicData>
-        </a:graphic>
-      </p:graphicFrame>
-      <p:graphicFrame>
-        <p:nvGraphicFramePr>
-          <p:cNvPr id="33" name="Объект 32"/>
-          <p:cNvGraphicFramePr>
-            <a:graphicFrameLocks noChangeAspect="1"/>
-          </p:cNvGraphicFramePr>
-          <p:nvPr/>
-        </p:nvGraphicFramePr>
-        <p:xfrm>
-          <a:off x="6240760" y="3880520"/>
-          <a:ext cx="1206500" cy="393700"/>
-        </p:xfrm>
-        <a:graphic>
-          <a:graphicData uri="http://schemas.openxmlformats.org/presentationml/2006/ole">
-            <p:oleObj spid="_x0000_s11279" name="Equation" r:id="rId11" imgW="1206360" imgH="393480" progId="Equation.DSMT4">
+            <p:oleObj spid="_x0000_s11278" name="Equation" r:id="rId11" imgW="2463480" imgH="431640" progId="Equation.DSMT4">
               <p:embed/>
             </p:oleObj>
           </a:graphicData>
@@ -3867,12 +3996,12 @@
           <p:nvPr/>
         </p:nvGraphicFramePr>
         <p:xfrm>
-          <a:off x="4872608" y="4456584"/>
-          <a:ext cx="4330700" cy="1371600"/>
+          <a:off x="4910138" y="4312097"/>
+          <a:ext cx="4254500" cy="1371600"/>
         </p:xfrm>
         <a:graphic>
           <a:graphicData uri="http://schemas.openxmlformats.org/presentationml/2006/ole">
-            <p:oleObj spid="_x0000_s11280" name="Equation" r:id="rId12" imgW="4330440" imgH="1371600" progId="Equation.DSMT4">
+            <p:oleObj spid="_x0000_s11280" name="Equation" r:id="rId12" imgW="4254480" imgH="1371600" progId="Equation.DSMT4">
               <p:embed/>
             </p:oleObj>
           </a:graphicData>
@@ -3887,7 +4016,7 @@
           <p:nvPr/>
         </p:nvGraphicFramePr>
         <p:xfrm>
-          <a:off x="8112968" y="2944416"/>
+          <a:off x="8112968" y="2800400"/>
           <a:ext cx="609600" cy="393700"/>
         </p:xfrm>
         <a:graphic>
@@ -3906,7 +4035,7 @@
         </p:nvSpPr>
         <p:spPr>
           <a:xfrm>
-            <a:off x="336104" y="3880520"/>
+            <a:off x="336104" y="3592488"/>
             <a:ext cx="4392488" cy="276999"/>
           </a:xfrm>
           <a:prstGeom prst="rect">
@@ -3951,8 +4080,8 @@
         </p:nvSpPr>
         <p:spPr>
           <a:xfrm>
-            <a:off x="336104" y="4168552"/>
-            <a:ext cx="4392488" cy="1631216"/>
+            <a:off x="336104" y="3880520"/>
+            <a:ext cx="4392488" cy="1938992"/>
           </a:xfrm>
           <a:prstGeom prst="rect">
             <a:avLst/>
@@ -3988,21 +4117,45 @@
             <a:endParaRPr lang="en-US" sz="1000" dirty="0" smtClean="0"/>
           </a:p>
           <a:p>
+            <a:endParaRPr lang="en-US" sz="1000" dirty="0" smtClean="0"/>
+          </a:p>
+          <a:p>
+            <a:endParaRPr lang="en-US" sz="1000" dirty="0" smtClean="0"/>
+          </a:p>
+          <a:p>
+            <a:endParaRPr lang="en-US" sz="1000" dirty="0" smtClean="0"/>
+          </a:p>
+          <a:p>
             <a:r>
               <a:rPr lang="en-US" sz="1000" dirty="0" smtClean="0"/>
-              <a:t>Basis:</a:t>
-            </a:r>
-          </a:p>
-          <a:p>
+              <a:t>Basis is </a:t>
+            </a:r>
+            <a:r>
+              <a:rPr lang="en-US" sz="1000" dirty="0" err="1" smtClean="0"/>
+              <a:t>overcomplete</a:t>
+            </a:r>
+            <a:r>
+              <a:rPr lang="en-US" sz="1000" dirty="0" smtClean="0"/>
+              <a:t>, but we can eject unwanted vectors:</a:t>
+            </a:r>
             <a:endParaRPr lang="en-US" sz="1000" dirty="0" smtClean="0"/>
           </a:p>
           <a:p>
+            <a:endParaRPr lang="en-US" sz="1000" dirty="0" smtClean="0"/>
+          </a:p>
+          <a:p>
             <a:r>
               <a:rPr lang="en-US" sz="1000" dirty="0" smtClean="0"/>
-              <a:t>Basis overflow:</a:t>
-            </a:r>
-          </a:p>
-          <a:p>
+              <a:t>- </a:t>
+            </a:r>
+            <a:r>
+              <a:rPr lang="en-US" sz="1000" dirty="0" err="1" smtClean="0"/>
+              <a:t>hypotesis</a:t>
+            </a:r>
+            <a:r>
+              <a:rPr lang="en-US" sz="1000" dirty="0" smtClean="0"/>
+              <a:t>, checked only up to 10 spins</a:t>
+            </a:r>
             <a:endParaRPr lang="en-US" sz="1000" dirty="0" smtClean="0"/>
           </a:p>
         </p:txBody>
@@ -4016,12 +4169,12 @@
           <p:nvPr/>
         </p:nvGraphicFramePr>
         <p:xfrm>
-          <a:off x="408112" y="4168552"/>
-          <a:ext cx="3302000" cy="228600"/>
+          <a:off x="408112" y="3880520"/>
+          <a:ext cx="3784600" cy="228600"/>
         </p:xfrm>
         <a:graphic>
           <a:graphicData uri="http://schemas.openxmlformats.org/presentationml/2006/ole">
-            <p:oleObj spid="_x0000_s11282" name="Equation" r:id="rId14" imgW="3301920" imgH="228600" progId="Equation.DSMT4">
+            <p:oleObj spid="_x0000_s11282" name="Equation" r:id="rId14" imgW="3784320" imgH="228600" progId="Equation.DSMT4">
               <p:embed/>
             </p:oleObj>
           </a:graphicData>
@@ -4074,12 +4227,12 @@
           <p:nvPr/>
         </p:nvGraphicFramePr>
         <p:xfrm>
-          <a:off x="408112" y="4384576"/>
-          <a:ext cx="3924300" cy="419100"/>
+          <a:off x="408112" y="4096544"/>
+          <a:ext cx="2209800" cy="660400"/>
         </p:xfrm>
         <a:graphic>
           <a:graphicData uri="http://schemas.openxmlformats.org/presentationml/2006/ole">
-            <p:oleObj spid="_x0000_s11285" name="Equation" r:id="rId15" imgW="3924000" imgH="419040" progId="Equation.DSMT4">
+            <p:oleObj spid="_x0000_s11285" name="Equation" r:id="rId15" imgW="2209680" imgH="660240" progId="Equation.DSMT4">
               <p:embed/>
             </p:oleObj>
           </a:graphicData>
@@ -4094,12 +4247,12 @@
           <p:nvPr/>
         </p:nvGraphicFramePr>
         <p:xfrm>
-          <a:off x="1272208" y="4816624"/>
-          <a:ext cx="2235200" cy="635000"/>
+          <a:off x="408112" y="4744616"/>
+          <a:ext cx="3822700" cy="482600"/>
         </p:xfrm>
         <a:graphic>
           <a:graphicData uri="http://schemas.openxmlformats.org/presentationml/2006/ole">
-            <p:oleObj spid="_x0000_s11286" name="Equation" r:id="rId16" imgW="2234880" imgH="634680" progId="Equation.DSMT4">
+            <p:oleObj spid="_x0000_s11286" name="Equation" r:id="rId16" imgW="3822480" imgH="482400" progId="Equation.DSMT4">
               <p:embed/>
             </p:oleObj>
           </a:graphicData>
@@ -4265,19 +4418,7 @@
           <a:p>
             <a:r>
               <a:rPr lang="en-US" sz="1000" dirty="0" smtClean="0"/>
-              <a:t>                                                                                                         Illustration </a:t>
-            </a:r>
-            <a:r>
-              <a:rPr lang="en-US" sz="1000" dirty="0" smtClean="0"/>
-              <a:t>from </a:t>
-            </a:r>
-            <a:r>
-              <a:rPr lang="en-US" sz="1000" dirty="0" smtClean="0"/>
-              <a:t>[6</a:t>
-            </a:r>
-            <a:r>
-              <a:rPr lang="en-US" sz="1000" dirty="0" smtClean="0"/>
-              <a:t>]</a:t>
+              <a:t>                                                                                                         Illustration from [6]</a:t>
             </a:r>
           </a:p>
         </p:txBody>
@@ -4336,7 +4477,7 @@
         </p:blipFill>
         <p:spPr>
           <a:xfrm>
-            <a:off x="3360440" y="8345016"/>
+            <a:off x="3360440" y="8273008"/>
             <a:ext cx="1152128" cy="1384375"/>
           </a:xfrm>
           <a:prstGeom prst="rect">
@@ -4353,12 +4494,12 @@
           <p:nvPr/>
         </p:nvGraphicFramePr>
         <p:xfrm>
-          <a:off x="408112" y="8273008"/>
-          <a:ext cx="2882900" cy="1498600"/>
+          <a:off x="408112" y="8344386"/>
+          <a:ext cx="3096344" cy="1427221"/>
         </p:xfrm>
         <a:graphic>
           <a:graphicData uri="http://schemas.openxmlformats.org/presentationml/2006/ole">
-            <p:oleObj spid="_x0000_s11290" name="Equation" r:id="rId20" imgW="2882880" imgH="1498320" progId="Equation.DSMT4">
+            <p:oleObj spid="_x0000_s11290" name="Equation" r:id="rId20" imgW="3251160" imgH="1498320" progId="Equation.DSMT4">
               <p:embed/>
             </p:oleObj>
           </a:graphicData>
@@ -4534,7 +4675,7 @@
         <p:spPr>
           <a:xfrm>
             <a:off x="336104" y="11369352"/>
-            <a:ext cx="8928992" cy="1338828"/>
+            <a:ext cx="8928992" cy="1200329"/>
           </a:xfrm>
           <a:prstGeom prst="rect">
             <a:avLst/>
@@ -4605,8 +4746,13 @@
             </a:r>
             <a:r>
               <a:rPr lang="en-US" sz="900" dirty="0" smtClean="0"/>
-              <a:t>. 51 (2018) 085301</a:t>
-            </a:r>
+              <a:t>. </a:t>
+            </a:r>
+            <a:r>
+              <a:rPr lang="en-US" sz="900" dirty="0" smtClean="0"/>
+              <a:t>51, 085301 (2018)</a:t>
+            </a:r>
+            <a:endParaRPr lang="en-US" sz="900" dirty="0" smtClean="0"/>
           </a:p>
           <a:p>
             <a:pPr marL="228600" lvl="0" indent="-228600">
@@ -4630,7 +4776,15 @@
             </a:r>
             <a:r>
               <a:rPr lang="en-US" sz="900" dirty="0" smtClean="0"/>
-              <a:t> (1990)    Exact lover bounds to the ground state of spin systems: The two-dimensional S = 1/2 </a:t>
+              <a:t>,</a:t>
+            </a:r>
+            <a:r>
+              <a:rPr lang="en-US" sz="900" dirty="0" smtClean="0"/>
+              <a:t> Exact </a:t>
+            </a:r>
+            <a:r>
+              <a:rPr lang="en-US" sz="900" dirty="0" smtClean="0"/>
+              <a:t>lover bounds to the ground state of spin systems: The two-dimensional S = 1/2 </a:t>
             </a:r>
             <a:r>
               <a:rPr lang="en-US" sz="900" dirty="0" err="1" smtClean="0"/>
@@ -4638,8 +4792,13 @@
             </a:r>
             <a:r>
               <a:rPr lang="en-US" sz="900" dirty="0" smtClean="0"/>
-              <a:t> Heisenberg model Physical review B , 1990.</a:t>
-            </a:r>
+              <a:t> Heisenberg model Physical review B </a:t>
+            </a:r>
+            <a:r>
+              <a:rPr lang="en-US" sz="900" dirty="0" smtClean="0"/>
+              <a:t>,  (1990)</a:t>
+            </a:r>
+            <a:endParaRPr lang="en-US" sz="900" dirty="0" smtClean="0"/>
           </a:p>
           <a:p>
             <a:pPr marL="228600" lvl="0" indent="-228600">
@@ -4655,8 +4814,13 @@
             </a:r>
             <a:r>
               <a:rPr lang="en-US" sz="900" dirty="0" smtClean="0"/>
-              <a:t> Ground State, Letters to the editor 1951</a:t>
-            </a:r>
+              <a:t> Ground State, Letters to the editor </a:t>
+            </a:r>
+            <a:r>
+              <a:rPr lang="en-US" sz="900" dirty="0" smtClean="0"/>
+              <a:t> (1951)</a:t>
+            </a:r>
+            <a:endParaRPr lang="en-US" sz="900" dirty="0" smtClean="0"/>
           </a:p>
           <a:p>
             <a:pPr marL="228600" lvl="0" indent="-228600">
@@ -4676,8 +4840,17 @@
             </a:r>
             <a:r>
               <a:rPr lang="en-US" sz="900" dirty="0" smtClean="0"/>
-              <a:t>, Lower bounds for ground states of condensed matter systems.	New Journal of Physics 14 (2012) 023027 (21pp)</a:t>
-            </a:r>
+              <a:t>, Lower bounds for ground states of condensed matter systems.	New Journal of Physics </a:t>
+            </a:r>
+            <a:r>
+              <a:rPr lang="en-US" sz="900" dirty="0" smtClean="0"/>
+              <a:t>14, 023027 </a:t>
+            </a:r>
+            <a:r>
+              <a:rPr lang="en-US" sz="900" dirty="0" smtClean="0"/>
+              <a:t>(2012)</a:t>
+            </a:r>
+            <a:endParaRPr lang="en-US" sz="900" dirty="0" smtClean="0"/>
           </a:p>
           <a:p>
             <a:pPr marL="228600" lvl="0" indent="-228600">
@@ -4693,8 +4866,29 @@
             </a:r>
             <a:r>
               <a:rPr lang="en-US" sz="900" dirty="0" smtClean="0"/>
-              <a:t>, Variational minimization of atomic and molecular ground-state energies via the two-particle reduced density matrix,  PHYSICAL REVIEW A, VOLUME 65, (2002) 062511</a:t>
-            </a:r>
+              <a:t>, Variational minimization of atomic and molecular ground-state energies via the two-particle reduced density matrix,  </a:t>
+            </a:r>
+            <a:r>
+              <a:rPr lang="en-US" sz="900" dirty="0" err="1" smtClean="0"/>
+              <a:t>Phys.Rev.A</a:t>
+            </a:r>
+            <a:r>
+              <a:rPr lang="en-US" sz="900" dirty="0" smtClean="0"/>
+              <a:t>, </a:t>
+            </a:r>
+            <a:r>
+              <a:rPr lang="en-US" sz="900" dirty="0" smtClean="0"/>
+              <a:t>65</a:t>
+            </a:r>
+            <a:r>
+              <a:rPr lang="en-US" sz="900" dirty="0" smtClean="0"/>
+              <a:t>, </a:t>
+            </a:r>
+            <a:r>
+              <a:rPr lang="en-US" sz="900" dirty="0" smtClean="0"/>
+              <a:t>062511 (2002) </a:t>
+            </a:r>
+            <a:endParaRPr lang="en-US" sz="900" dirty="0" smtClean="0"/>
           </a:p>
           <a:p>
             <a:pPr marL="228600" lvl="0" indent="-228600">
@@ -4710,8 +4904,13 @@
             </a:r>
             <a:r>
               <a:rPr lang="en-US" sz="900" dirty="0" smtClean="0"/>
-              <a:t>  Some formal results for the valence bond basis Nuclear Physics B 750 [FS] (2006) 142–178</a:t>
-            </a:r>
+              <a:t>  Some formal results for the valence bond basis Nuclear Physics B 750 [FS] </a:t>
+            </a:r>
+            <a:r>
+              <a:rPr lang="en-US" sz="900" dirty="0" smtClean="0"/>
+              <a:t>142–178 (2006) </a:t>
+            </a:r>
+            <a:endParaRPr lang="en-US" sz="900" dirty="0" smtClean="0"/>
           </a:p>
           <a:p>
             <a:pPr marL="228600" lvl="0" indent="-228600">
@@ -4735,7 +4934,31 @@
             </a:r>
             <a:r>
               <a:rPr lang="en-US" sz="900" dirty="0" smtClean="0"/>
-              <a:t> for Spins s=1/2 and s=1 in d=1 and 2 Dimensions. PHYSICAL REVIEW LETTERS, VOLUME 61, (1988)</a:t>
+              <a:t> for Spins s=1/2 and s=1 in d=1 and 2 Dimensions. </a:t>
+            </a:r>
+            <a:r>
+              <a:rPr lang="en-US" sz="900" dirty="0" err="1" smtClean="0"/>
+              <a:t>Phys.Rev.Lett</a:t>
+            </a:r>
+            <a:r>
+              <a:rPr lang="en-US" sz="900" dirty="0" smtClean="0"/>
+              <a:t>., 61</a:t>
+            </a:r>
+            <a:r>
+              <a:rPr lang="en-US" sz="900" smtClean="0"/>
+              <a:t>, </a:t>
+            </a:r>
+            <a:r>
+              <a:rPr lang="en-US" sz="900" smtClean="0"/>
+              <a:t> </a:t>
+            </a:r>
+            <a:r>
+              <a:rPr lang="en-US" sz="900" dirty="0" smtClean="0"/>
+              <a:t>(</a:t>
+            </a:r>
+            <a:r>
+              <a:rPr lang="en-US" sz="900" dirty="0" smtClean="0"/>
+              <a:t>1988)</a:t>
             </a:r>
           </a:p>
           <a:p>
@@ -4761,7 +4984,7 @@
         </p:nvSpPr>
         <p:spPr>
           <a:xfrm>
-            <a:off x="4872608" y="5968752"/>
+            <a:off x="4872608" y="6184776"/>
             <a:ext cx="4392488" cy="276999"/>
           </a:xfrm>
           <a:prstGeom prst="rect">
@@ -4806,7 +5029,7 @@
         </p:nvSpPr>
         <p:spPr>
           <a:xfrm>
-            <a:off x="4872608" y="6256784"/>
+            <a:off x="4872608" y="6472808"/>
             <a:ext cx="4392488" cy="2554545"/>
           </a:xfrm>
           <a:prstGeom prst="rect">
@@ -4889,7 +5112,7 @@
           <p:nvPr/>
         </p:nvGraphicFramePr>
         <p:xfrm>
-          <a:off x="5520680" y="6256784"/>
+          <a:off x="5520680" y="6472808"/>
           <a:ext cx="3162300" cy="419100"/>
         </p:xfrm>
         <a:graphic>
@@ -4914,7 +5137,7 @@
         </p:blipFill>
         <p:spPr>
           <a:xfrm>
-            <a:off x="4944616" y="7912968"/>
+            <a:off x="4944616" y="8128992"/>
             <a:ext cx="792088" cy="720080"/>
           </a:xfrm>
           <a:prstGeom prst="rect">
@@ -4931,7 +5154,7 @@
           <p:nvPr/>
         </p:nvGraphicFramePr>
         <p:xfrm>
-          <a:off x="5736704" y="7696944"/>
+          <a:off x="5736704" y="7912968"/>
           <a:ext cx="1916112" cy="1050925"/>
         </p:xfrm>
         <a:graphic>
@@ -4951,7 +5174,7 @@
           <p:nvPr/>
         </p:nvGraphicFramePr>
         <p:xfrm>
-          <a:off x="5283200" y="6761064"/>
+          <a:off x="5283200" y="6977088"/>
           <a:ext cx="2400300" cy="241300"/>
         </p:xfrm>
         <a:graphic>
@@ -4971,7 +5194,7 @@
           <p:nvPr/>
         </p:nvGraphicFramePr>
         <p:xfrm>
-          <a:off x="7896944" y="6688832"/>
+          <a:off x="7896944" y="6904856"/>
           <a:ext cx="774700" cy="482600"/>
         </p:xfrm>
         <a:graphic>
@@ -4991,7 +5214,7 @@
           <p:nvPr/>
         </p:nvGraphicFramePr>
         <p:xfrm>
-          <a:off x="7824936" y="7624936"/>
+          <a:off x="7824936" y="7840960"/>
           <a:ext cx="1080268" cy="1150202"/>
         </p:xfrm>
         <a:graphic>
@@ -5010,7 +5233,7 @@
         </p:nvSpPr>
         <p:spPr>
           <a:xfrm>
-            <a:off x="4872608" y="8921080"/>
+            <a:off x="4872608" y="9353128"/>
             <a:ext cx="4392488" cy="276999"/>
           </a:xfrm>
           <a:prstGeom prst="rect">
@@ -5055,8 +5278,8 @@
         </p:nvSpPr>
         <p:spPr>
           <a:xfrm>
-            <a:off x="4872608" y="9209112"/>
-            <a:ext cx="4392488" cy="2092881"/>
+            <a:off x="4872608" y="9641160"/>
+            <a:ext cx="4392488" cy="1631216"/>
           </a:xfrm>
           <a:prstGeom prst="rect">
             <a:avLst/>
@@ -5109,21 +5332,6 @@
           <a:p>
             <a:endParaRPr lang="en-US" sz="1000" dirty="0" smtClean="0"/>
           </a:p>
-          <a:p>
-            <a:r>
-              <a:rPr lang="en-US" sz="1000" dirty="0" smtClean="0"/>
-              <a:t>If we don’t take into account the symmetries of commutation of spins</a:t>
-            </a:r>
-          </a:p>
-          <a:p>
-            <a:r>
-              <a:rPr lang="en-US" sz="1000" dirty="0" smtClean="0"/>
-              <a:t>Variational method is identical to Schrodinger equation</a:t>
-            </a:r>
-          </a:p>
-          <a:p>
-            <a:endParaRPr lang="ru-RU" sz="1000" dirty="0"/>
-          </a:p>
         </p:txBody>
       </p:sp>
       <p:graphicFrame>
@@ -5135,7 +5343,7 @@
           <p:nvPr/>
         </p:nvGraphicFramePr>
         <p:xfrm>
-          <a:off x="7104856" y="7192888"/>
+          <a:off x="7104856" y="7408912"/>
           <a:ext cx="711200" cy="254000"/>
         </p:xfrm>
         <a:graphic>
@@ -5155,7 +5363,7 @@
           <p:nvPr/>
         </p:nvGraphicFramePr>
         <p:xfrm>
-          <a:off x="6024736" y="7048872"/>
+          <a:off x="6024736" y="7264896"/>
           <a:ext cx="990600" cy="482600"/>
         </p:xfrm>
         <a:graphic>
@@ -5175,7 +5383,7 @@
           <p:nvPr/>
         </p:nvGraphicFramePr>
         <p:xfrm>
-          <a:off x="5952728" y="9209112"/>
+          <a:off x="5952728" y="9641160"/>
           <a:ext cx="1612900" cy="457200"/>
         </p:xfrm>
         <a:graphic>
@@ -5195,7 +5403,7 @@
           <p:nvPr/>
         </p:nvGraphicFramePr>
         <p:xfrm>
-          <a:off x="4944616" y="9857184"/>
+          <a:off x="4944616" y="10289232"/>
           <a:ext cx="1663700" cy="533400"/>
         </p:xfrm>
         <a:graphic>
@@ -5215,7 +5423,7 @@
           <p:nvPr/>
         </p:nvGraphicFramePr>
         <p:xfrm>
-          <a:off x="6960840" y="9713168"/>
+          <a:off x="6960840" y="10145216"/>
           <a:ext cx="1930400" cy="1041400"/>
         </p:xfrm>
         <a:graphic>
@@ -5668,12 +5876,144 @@
           <p:nvPr/>
         </p:nvGraphicFramePr>
         <p:xfrm>
-          <a:off x="408112" y="5536704"/>
-          <a:ext cx="4216400" cy="228600"/>
+          <a:off x="408112" y="5392688"/>
+          <a:ext cx="3816424" cy="204529"/>
         </p:xfrm>
         <a:graphic>
           <a:graphicData uri="http://schemas.openxmlformats.org/presentationml/2006/ole">
-            <p:oleObj spid="_x0000_s11301" name="Equation" r:id="rId39" imgW="4216320" imgH="228600" progId="Equation.DSMT4">
+            <p:oleObj spid="_x0000_s11301" name="Equation" r:id="rId39" imgW="4267080" imgH="228600" progId="Equation.DSMT4">
+              <p:embed/>
+            </p:oleObj>
+          </a:graphicData>
+        </a:graphic>
+      </p:graphicFrame>
+      <p:sp>
+        <p:nvSpPr>
+          <p:cNvPr id="76" name="Прямоугольник 75"/>
+          <p:cNvSpPr/>
+          <p:nvPr/>
+        </p:nvSpPr>
+        <p:spPr>
+          <a:xfrm>
+            <a:off x="984176" y="4096544"/>
+            <a:ext cx="1656184" cy="648072"/>
+          </a:xfrm>
+          <a:prstGeom prst="rect">
+            <a:avLst/>
+          </a:prstGeom>
+          <a:noFill/>
+          <a:ln>
+            <a:solidFill>
+              <a:srgbClr val="FF0000"/>
+            </a:solidFill>
+          </a:ln>
+        </p:spPr>
+        <p:style>
+          <a:lnRef idx="2">
+            <a:schemeClr val="accent1">
+              <a:shade val="50000"/>
+            </a:schemeClr>
+          </a:lnRef>
+          <a:fillRef idx="1">
+            <a:schemeClr val="accent1"/>
+          </a:fillRef>
+          <a:effectRef idx="0">
+            <a:schemeClr val="accent1"/>
+          </a:effectRef>
+          <a:fontRef idx="minor">
+            <a:schemeClr val="lt1"/>
+          </a:fontRef>
+        </p:style>
+        <p:txBody>
+          <a:bodyPr rtlCol="0" anchor="ctr"/>
+          <a:lstStyle/>
+          <a:p>
+            <a:pPr algn="ctr"/>
+            <a:endParaRPr lang="ru-RU"/>
+          </a:p>
+        </p:txBody>
+      </p:sp>
+      <p:graphicFrame>
+        <p:nvGraphicFramePr>
+          <p:cNvPr id="78" name="Объект 77"/>
+          <p:cNvGraphicFramePr>
+            <a:graphicFrameLocks noChangeAspect="1"/>
+          </p:cNvGraphicFramePr>
+          <p:nvPr/>
+        </p:nvGraphicFramePr>
+        <p:xfrm>
+          <a:off x="7392888" y="5132190"/>
+          <a:ext cx="1864144" cy="712812"/>
+        </p:xfrm>
+        <a:graphic>
+          <a:graphicData uri="http://schemas.openxmlformats.org/presentationml/2006/ole">
+            <p:oleObj spid="_x0000_s11303" name="Equation" r:id="rId40" imgW="3276360" imgH="1257120" progId="Equation.DSMT4">
+              <p:embed/>
+            </p:oleObj>
+          </a:graphicData>
+        </a:graphic>
+      </p:graphicFrame>
+      <p:sp>
+        <p:nvSpPr>
+          <p:cNvPr id="81" name="Прямоугольник 80"/>
+          <p:cNvSpPr/>
+          <p:nvPr/>
+        </p:nvSpPr>
+        <p:spPr>
+          <a:xfrm>
+            <a:off x="4872608" y="5320680"/>
+            <a:ext cx="1872208" cy="360040"/>
+          </a:xfrm>
+          <a:prstGeom prst="rect">
+            <a:avLst/>
+          </a:prstGeom>
+          <a:noFill/>
+          <a:ln>
+            <a:solidFill>
+              <a:srgbClr val="FF0000"/>
+            </a:solidFill>
+          </a:ln>
+        </p:spPr>
+        <p:style>
+          <a:lnRef idx="2">
+            <a:schemeClr val="accent1">
+              <a:shade val="50000"/>
+            </a:schemeClr>
+          </a:lnRef>
+          <a:fillRef idx="1">
+            <a:schemeClr val="accent1"/>
+          </a:fillRef>
+          <a:effectRef idx="0">
+            <a:schemeClr val="accent1"/>
+          </a:effectRef>
+          <a:fontRef idx="minor">
+            <a:schemeClr val="lt1"/>
+          </a:fontRef>
+        </p:style>
+        <p:txBody>
+          <a:bodyPr rtlCol="0" anchor="ctr"/>
+          <a:lstStyle/>
+          <a:p>
+            <a:pPr algn="ctr"/>
+            <a:endParaRPr lang="ru-RU"/>
+          </a:p>
+        </p:txBody>
+      </p:sp>
+      <p:graphicFrame>
+        <p:nvGraphicFramePr>
+          <p:cNvPr id="82" name="Объект 81"/>
+          <p:cNvGraphicFramePr>
+            <a:graphicFrameLocks noChangeAspect="1"/>
+          </p:cNvGraphicFramePr>
+          <p:nvPr/>
+        </p:nvGraphicFramePr>
+        <p:xfrm>
+          <a:off x="2784376" y="4240560"/>
+          <a:ext cx="1872208" cy="401187"/>
+        </p:xfrm>
+        <a:graphic>
+          <a:graphicData uri="http://schemas.openxmlformats.org/presentationml/2006/ole">
+            <p:oleObj spid="_x0000_s11304" name="Equation" r:id="rId41" imgW="2133360" imgH="457200" progId="Equation.DSMT4">
               <p:embed/>
             </p:oleObj>
           </a:graphicData>

--- a/LaTeX-поделки/poster2018summer.pptx
+++ b/LaTeX-поделки/poster2018summer.pptx
@@ -289,7 +289,7 @@
             <a:fld id="{9E125DD6-F431-40D1-A114-89A2FE7B9B8E}" type="datetimeFigureOut">
               <a:rPr lang="ru-RU" smtClean="0"/>
               <a:pPr/>
-              <a:t>10.09.2018</a:t>
+              <a:t>24.09.2018</a:t>
             </a:fld>
             <a:endParaRPr lang="ru-RU"/>
           </a:p>
@@ -456,7 +456,7 @@
             <a:fld id="{9E125DD6-F431-40D1-A114-89A2FE7B9B8E}" type="datetimeFigureOut">
               <a:rPr lang="ru-RU" smtClean="0"/>
               <a:pPr/>
-              <a:t>10.09.2018</a:t>
+              <a:t>24.09.2018</a:t>
             </a:fld>
             <a:endParaRPr lang="ru-RU"/>
           </a:p>
@@ -633,7 +633,7 @@
             <a:fld id="{9E125DD6-F431-40D1-A114-89A2FE7B9B8E}" type="datetimeFigureOut">
               <a:rPr lang="ru-RU" smtClean="0"/>
               <a:pPr/>
-              <a:t>10.09.2018</a:t>
+              <a:t>24.09.2018</a:t>
             </a:fld>
             <a:endParaRPr lang="ru-RU"/>
           </a:p>
@@ -800,7 +800,7 @@
             <a:fld id="{9E125DD6-F431-40D1-A114-89A2FE7B9B8E}" type="datetimeFigureOut">
               <a:rPr lang="ru-RU" smtClean="0"/>
               <a:pPr/>
-              <a:t>10.09.2018</a:t>
+              <a:t>24.09.2018</a:t>
             </a:fld>
             <a:endParaRPr lang="ru-RU"/>
           </a:p>
@@ -1043,7 +1043,7 @@
             <a:fld id="{9E125DD6-F431-40D1-A114-89A2FE7B9B8E}" type="datetimeFigureOut">
               <a:rPr lang="ru-RU" smtClean="0"/>
               <a:pPr/>
-              <a:t>10.09.2018</a:t>
+              <a:t>24.09.2018</a:t>
             </a:fld>
             <a:endParaRPr lang="ru-RU"/>
           </a:p>
@@ -1328,7 +1328,7 @@
             <a:fld id="{9E125DD6-F431-40D1-A114-89A2FE7B9B8E}" type="datetimeFigureOut">
               <a:rPr lang="ru-RU" smtClean="0"/>
               <a:pPr/>
-              <a:t>10.09.2018</a:t>
+              <a:t>24.09.2018</a:t>
             </a:fld>
             <a:endParaRPr lang="ru-RU"/>
           </a:p>
@@ -1747,7 +1747,7 @@
             <a:fld id="{9E125DD6-F431-40D1-A114-89A2FE7B9B8E}" type="datetimeFigureOut">
               <a:rPr lang="ru-RU" smtClean="0"/>
               <a:pPr/>
-              <a:t>10.09.2018</a:t>
+              <a:t>24.09.2018</a:t>
             </a:fld>
             <a:endParaRPr lang="ru-RU"/>
           </a:p>
@@ -1862,7 +1862,7 @@
             <a:fld id="{9E125DD6-F431-40D1-A114-89A2FE7B9B8E}" type="datetimeFigureOut">
               <a:rPr lang="ru-RU" smtClean="0"/>
               <a:pPr/>
-              <a:t>10.09.2018</a:t>
+              <a:t>24.09.2018</a:t>
             </a:fld>
             <a:endParaRPr lang="ru-RU"/>
           </a:p>
@@ -1954,7 +1954,7 @@
             <a:fld id="{9E125DD6-F431-40D1-A114-89A2FE7B9B8E}" type="datetimeFigureOut">
               <a:rPr lang="ru-RU" smtClean="0"/>
               <a:pPr/>
-              <a:t>10.09.2018</a:t>
+              <a:t>24.09.2018</a:t>
             </a:fld>
             <a:endParaRPr lang="ru-RU"/>
           </a:p>
@@ -2228,7 +2228,7 @@
             <a:fld id="{9E125DD6-F431-40D1-A114-89A2FE7B9B8E}" type="datetimeFigureOut">
               <a:rPr lang="ru-RU" smtClean="0"/>
               <a:pPr/>
-              <a:t>10.09.2018</a:t>
+              <a:t>24.09.2018</a:t>
             </a:fld>
             <a:endParaRPr lang="ru-RU"/>
           </a:p>
@@ -2478,7 +2478,7 @@
             <a:fld id="{9E125DD6-F431-40D1-A114-89A2FE7B9B8E}" type="datetimeFigureOut">
               <a:rPr lang="ru-RU" smtClean="0"/>
               <a:pPr/>
-              <a:t>10.09.2018</a:t>
+              <a:t>24.09.2018</a:t>
             </a:fld>
             <a:endParaRPr lang="ru-RU"/>
           </a:p>
@@ -2688,7 +2688,7 @@
             <a:fld id="{9E125DD6-F431-40D1-A114-89A2FE7B9B8E}" type="datetimeFigureOut">
               <a:rPr lang="ru-RU" smtClean="0"/>
               <a:pPr/>
-              <a:t>10.09.2018</a:t>
+              <a:t>24.09.2018</a:t>
             </a:fld>
             <a:endParaRPr lang="ru-RU"/>
           </a:p>
@@ -3203,7 +3203,11 @@
             <a:pPr algn="ctr"/>
             <a:r>
               <a:rPr lang="en-US" sz="1600" dirty="0" smtClean="0"/>
-              <a:t>parameterization density matrix, </a:t>
+              <a:t>density matrix </a:t>
+            </a:r>
+            <a:r>
+              <a:rPr lang="en-US" sz="1600" dirty="0" smtClean="0"/>
+              <a:t>parameterization, </a:t>
             </a:r>
             <a:r>
               <a:rPr lang="en-US" sz="1600" dirty="0" err="1" smtClean="0"/>
@@ -3609,11 +3613,7 @@
           <a:p>
             <a:r>
               <a:rPr lang="en-US" sz="1000" dirty="0" smtClean="0"/>
-              <a:t>Hamiltonian</a:t>
-            </a:r>
-            <a:r>
-              <a:rPr lang="en-US" sz="1000" dirty="0" smtClean="0"/>
-              <a:t>:</a:t>
+              <a:t>Hamiltonian:</a:t>
             </a:r>
           </a:p>
           <a:p>
@@ -3745,19 +3745,7 @@
             </a:r>
             <a:r>
               <a:rPr lang="en-US" sz="1000" dirty="0" smtClean="0"/>
-              <a:t> </a:t>
-            </a:r>
-            <a:r>
-              <a:rPr lang="en-US" sz="1000" dirty="0" smtClean="0"/>
-              <a:t>lattice</a:t>
-            </a:r>
-            <a:r>
-              <a:rPr lang="en-US" sz="1000" dirty="0" smtClean="0"/>
-              <a:t> </a:t>
-            </a:r>
-            <a:r>
-              <a:rPr lang="en-US" sz="1000" dirty="0" smtClean="0"/>
-              <a:t>to </a:t>
+              <a:t> lattice to </a:t>
             </a:r>
             <a:r>
               <a:rPr lang="en-US" sz="1000" b="1" i="1" dirty="0" smtClean="0"/>
@@ -3775,13 +3763,8 @@
             </a:r>
             <a:r>
               <a:rPr lang="en-US" sz="1000" dirty="0" smtClean="0"/>
-              <a:t>number of spins in </a:t>
-            </a:r>
-            <a:r>
-              <a:rPr lang="en-US" sz="1000" dirty="0" smtClean="0"/>
-              <a:t>lattice</a:t>
-            </a:r>
-            <a:endParaRPr lang="en-US" sz="1000" dirty="0" smtClean="0"/>
+              <a:t>number of spins in lattice</a:t>
+            </a:r>
           </a:p>
           <a:p>
             <a:r>
@@ -3804,19 +3787,7 @@
             </a:r>
             <a:r>
               <a:rPr lang="en-US" sz="1000" dirty="0" smtClean="0"/>
-              <a:t>number of bonds </a:t>
-            </a:r>
-            <a:r>
-              <a:rPr lang="en-US" sz="1000" dirty="0" smtClean="0"/>
-              <a:t>per</a:t>
-            </a:r>
-            <a:r>
-              <a:rPr lang="en-US" sz="1000" dirty="0" smtClean="0"/>
-              <a:t> </a:t>
-            </a:r>
-            <a:r>
-              <a:rPr lang="en-US" sz="1000" dirty="0" smtClean="0"/>
-              <a:t>1 spin</a:t>
+              <a:t>number of bonds per 1 spin</a:t>
             </a:r>
             <a:endParaRPr lang="ru-RU" sz="1000" dirty="0" smtClean="0"/>
           </a:p>
@@ -4138,7 +4109,6 @@
               <a:rPr lang="en-US" sz="1000" dirty="0" smtClean="0"/>
               <a:t>, but we can eject unwanted vectors:</a:t>
             </a:r>
-            <a:endParaRPr lang="en-US" sz="1000" dirty="0" smtClean="0"/>
           </a:p>
           <a:p>
             <a:endParaRPr lang="en-US" sz="1000" dirty="0" smtClean="0"/>
@@ -4156,7 +4126,6 @@
               <a:rPr lang="en-US" sz="1000" dirty="0" smtClean="0"/>
               <a:t>, checked only up to 10 spins</a:t>
             </a:r>
-            <a:endParaRPr lang="en-US" sz="1000" dirty="0" smtClean="0"/>
           </a:p>
         </p:txBody>
       </p:sp>
@@ -4675,7 +4644,7 @@
         <p:spPr>
           <a:xfrm>
             <a:off x="336104" y="11369352"/>
-            <a:ext cx="8928992" cy="1200329"/>
+            <a:ext cx="8928992" cy="1338828"/>
           </a:xfrm>
           <a:prstGeom prst="rect">
             <a:avLst/>
@@ -4730,7 +4699,15 @@
             </a:r>
             <a:r>
               <a:rPr lang="en-US" sz="900" dirty="0" smtClean="0"/>
-              <a:t>, Squaring </a:t>
+              <a:t>.</a:t>
+            </a:r>
+            <a:r>
+              <a:rPr lang="en-US" sz="900" dirty="0" smtClean="0"/>
+              <a:t> </a:t>
+            </a:r>
+            <a:r>
+              <a:rPr lang="en-US" sz="900" dirty="0" smtClean="0"/>
+              <a:t>Squaring </a:t>
             </a:r>
             <a:r>
               <a:rPr lang="en-US" sz="900" dirty="0" err="1" smtClean="0"/>
@@ -4749,8 +4726,12 @@
               <a:t>. </a:t>
             </a:r>
             <a:r>
-              <a:rPr lang="en-US" sz="900" dirty="0" smtClean="0"/>
-              <a:t>51, 085301 (2018)</a:t>
+              <a:rPr lang="en-US" sz="900" smtClean="0"/>
+              <a:t>51(????):</a:t>
+            </a:r>
+            <a:r>
+              <a:rPr lang="en-US" sz="900" dirty="0" smtClean="0"/>
+              <a:t>085301, 2018</a:t>
             </a:r>
             <a:endParaRPr lang="en-US" sz="900" dirty="0" smtClean="0"/>
           </a:p>
@@ -4776,15 +4757,15 @@
             </a:r>
             <a:r>
               <a:rPr lang="en-US" sz="900" dirty="0" smtClean="0"/>
-              <a:t>,</a:t>
-            </a:r>
-            <a:r>
-              <a:rPr lang="en-US" sz="900" dirty="0" smtClean="0"/>
-              <a:t> Exact </a:t>
-            </a:r>
-            <a:r>
-              <a:rPr lang="en-US" sz="900" dirty="0" smtClean="0"/>
-              <a:t>lover bounds to the ground state of spin systems: The two-dimensional S = 1/2 </a:t>
+              <a:t>.</a:t>
+            </a:r>
+            <a:r>
+              <a:rPr lang="en-US" sz="900" dirty="0" smtClean="0"/>
+              <a:t> </a:t>
+            </a:r>
+            <a:r>
+              <a:rPr lang="en-US" sz="900" dirty="0" smtClean="0"/>
+              <a:t>Exact lower bounds to the ground-state energy of spin systems: The two-dimensional S= 1/2 </a:t>
             </a:r>
             <a:r>
               <a:rPr lang="en-US" sz="900" dirty="0" err="1" smtClean="0"/>
@@ -4792,11 +4773,47 @@
             </a:r>
             <a:r>
               <a:rPr lang="en-US" sz="900" dirty="0" smtClean="0"/>
-              <a:t> Heisenberg model Physical review B </a:t>
-            </a:r>
-            <a:r>
-              <a:rPr lang="en-US" sz="900" dirty="0" smtClean="0"/>
-              <a:t>,  (1990)</a:t>
+              <a:t> Heisenberg </a:t>
+            </a:r>
+            <a:r>
+              <a:rPr lang="en-US" sz="900" dirty="0" smtClean="0"/>
+              <a:t>model. </a:t>
+            </a:r>
+            <a:r>
+              <a:rPr lang="en-US" sz="900" dirty="0" smtClean="0"/>
+              <a:t>Physical </a:t>
+            </a:r>
+            <a:r>
+              <a:rPr lang="en-US" sz="900" dirty="0" smtClean="0"/>
+              <a:t>review B , </a:t>
+            </a:r>
+            <a:r>
+              <a:rPr lang="ru-RU" sz="900" dirty="0" smtClean="0"/>
+              <a:t>41</a:t>
+            </a:r>
+            <a:r>
+              <a:rPr lang="en-US" sz="900" dirty="0" smtClean="0"/>
+              <a:t>(</a:t>
+            </a:r>
+            <a:r>
+              <a:rPr lang="ru-RU" sz="900" dirty="0" smtClean="0"/>
+              <a:t>13</a:t>
+            </a:r>
+            <a:r>
+              <a:rPr lang="en-US" sz="900" dirty="0" smtClean="0"/>
+              <a:t>):</a:t>
+            </a:r>
+            <a:r>
+              <a:rPr lang="ru-RU" sz="900" dirty="0" smtClean="0"/>
+              <a:t> 9611</a:t>
+            </a:r>
+            <a:r>
+              <a:rPr lang="en-US" sz="900" dirty="0" smtClean="0"/>
+              <a:t> , </a:t>
+            </a:r>
+            <a:r>
+              <a:rPr lang="en-US" sz="900" dirty="0" smtClean="0"/>
+              <a:t>1990</a:t>
             </a:r>
             <a:endParaRPr lang="en-US" sz="900" dirty="0" smtClean="0"/>
           </a:p>
@@ -4806,19 +4823,59 @@
             </a:pPr>
             <a:r>
               <a:rPr lang="en-US" sz="900" dirty="0" smtClean="0"/>
-              <a:t>P. W. Anderson, Limits on the Energy of the </a:t>
+              <a:t>P. W. Anderson. </a:t>
+            </a:r>
+            <a:r>
+              <a:rPr lang="en-US" sz="900" dirty="0" smtClean="0"/>
+              <a:t>Limits on the energy of the </a:t>
             </a:r>
             <a:r>
               <a:rPr lang="en-US" sz="900" dirty="0" err="1" smtClean="0"/>
-              <a:t>Antiferromagnetic</a:t>
-            </a:r>
-            <a:r>
-              <a:rPr lang="en-US" sz="900" dirty="0" smtClean="0"/>
-              <a:t> Ground State, Letters to the editor </a:t>
-            </a:r>
-            <a:r>
-              <a:rPr lang="en-US" sz="900" dirty="0" smtClean="0"/>
-              <a:t> (1951)</a:t>
+              <a:t>antiferromagnetic</a:t>
+            </a:r>
+            <a:r>
+              <a:rPr lang="en-US" sz="900" dirty="0" smtClean="0"/>
+              <a:t> ground state.</a:t>
+            </a:r>
+            <a:r>
+              <a:rPr lang="en-US" sz="900" dirty="0" smtClean="0"/>
+              <a:t> </a:t>
+            </a:r>
+            <a:r>
+              <a:rPr lang="en-US" sz="900" dirty="0" smtClean="0"/>
+              <a:t>Physical </a:t>
+            </a:r>
+            <a:r>
+              <a:rPr lang="en-US" sz="900" dirty="0" smtClean="0"/>
+              <a:t>Review, </a:t>
+            </a:r>
+            <a:r>
+              <a:rPr lang="ru-RU" sz="900" dirty="0" smtClean="0"/>
+              <a:t>83</a:t>
+            </a:r>
+            <a:r>
+              <a:rPr lang="en-US" sz="900" dirty="0" smtClean="0"/>
+              <a:t>(</a:t>
+            </a:r>
+            <a:r>
+              <a:rPr lang="ru-RU" sz="900" dirty="0" smtClean="0"/>
+              <a:t>6</a:t>
+            </a:r>
+            <a:r>
+              <a:rPr lang="en-US" sz="900" dirty="0" smtClean="0"/>
+              <a:t>):</a:t>
+            </a:r>
+            <a:r>
+              <a:rPr lang="ru-RU" sz="900" dirty="0" smtClean="0"/>
+              <a:t>1260</a:t>
+            </a:r>
+            <a:r>
+              <a:rPr lang="en-US" sz="900" dirty="0" smtClean="0"/>
+              <a:t>,</a:t>
+            </a:r>
+            <a:r>
+              <a:rPr lang="en-US" sz="900" dirty="0" smtClean="0"/>
+              <a:t> 1951</a:t>
             </a:r>
             <a:endParaRPr lang="en-US" sz="900" dirty="0" smtClean="0"/>
           </a:p>
@@ -4832,7 +4889,19 @@
             </a:r>
             <a:r>
               <a:rPr lang="en-US" sz="900" dirty="0" smtClean="0"/>
-              <a:t> Baumgratz1 and Martin B </a:t>
+              <a:t> </a:t>
+            </a:r>
+            <a:r>
+              <a:rPr lang="en-US" sz="900" dirty="0" err="1" smtClean="0"/>
+              <a:t>Baumgratz</a:t>
+            </a:r>
+            <a:r>
+              <a:rPr lang="en-US" sz="900" dirty="0" smtClean="0"/>
+              <a:t> </a:t>
+            </a:r>
+            <a:r>
+              <a:rPr lang="en-US" sz="900" dirty="0" smtClean="0"/>
+              <a:t>and Martin B </a:t>
             </a:r>
             <a:r>
               <a:rPr lang="en-US" sz="900" dirty="0" err="1" smtClean="0"/>
@@ -4840,15 +4909,51 @@
             </a:r>
             <a:r>
               <a:rPr lang="en-US" sz="900" dirty="0" smtClean="0"/>
-              <a:t>, Lower bounds for ground states of condensed matter systems.	New Journal of Physics </a:t>
-            </a:r>
-            <a:r>
-              <a:rPr lang="en-US" sz="900" dirty="0" smtClean="0"/>
-              <a:t>14, 023027 </a:t>
-            </a:r>
-            <a:r>
-              <a:rPr lang="en-US" sz="900" dirty="0" smtClean="0"/>
-              <a:t>(2012)</a:t>
+              <a:t>.</a:t>
+            </a:r>
+            <a:r>
+              <a:rPr lang="en-US" sz="900" dirty="0" smtClean="0"/>
+              <a:t> </a:t>
+            </a:r>
+            <a:r>
+              <a:rPr lang="en-US" sz="900" dirty="0" smtClean="0"/>
+              <a:t>Lower bounds for ground states of condensed matter </a:t>
+            </a:r>
+            <a:r>
+              <a:rPr lang="en-US" sz="900" dirty="0" smtClean="0"/>
+              <a:t>systems. </a:t>
+            </a:r>
+            <a:r>
+              <a:rPr lang="en-US" sz="900" dirty="0" smtClean="0"/>
+              <a:t>New </a:t>
+            </a:r>
+            <a:r>
+              <a:rPr lang="en-US" sz="900" dirty="0" smtClean="0"/>
+              <a:t>Journal of Physics </a:t>
+            </a:r>
+            <a:r>
+              <a:rPr lang="en-US" sz="900" dirty="0" smtClean="0"/>
+              <a:t>,</a:t>
+            </a:r>
+            <a:r>
+              <a:rPr lang="en-US" sz="900" dirty="0" smtClean="0"/>
+              <a:t> 14(2):</a:t>
+            </a:r>
+            <a:r>
+              <a:rPr lang="ru-RU" sz="900" dirty="0" smtClean="0"/>
+              <a:t> </a:t>
+            </a:r>
+            <a:r>
+              <a:rPr lang="ru-RU" sz="900" dirty="0" smtClean="0"/>
+              <a:t>023027</a:t>
+            </a:r>
+            <a:r>
+              <a:rPr lang="en-US" sz="900" dirty="0" smtClean="0"/>
+              <a:t>,</a:t>
+            </a:r>
+            <a:r>
+              <a:rPr lang="en-US" sz="900" dirty="0" smtClean="0"/>
+              <a:t> 2012</a:t>
             </a:r>
             <a:endParaRPr lang="en-US" sz="900" dirty="0" smtClean="0"/>
           </a:p>
@@ -4866,7 +4971,19 @@
             </a:r>
             <a:r>
               <a:rPr lang="en-US" sz="900" dirty="0" smtClean="0"/>
-              <a:t>, Variational minimization of atomic and molecular ground-state energies via the two-particle reduced density matrix,  </a:t>
+              <a:t>.</a:t>
+            </a:r>
+            <a:r>
+              <a:rPr lang="en-US" sz="900" dirty="0" smtClean="0"/>
+              <a:t> </a:t>
+            </a:r>
+            <a:r>
+              <a:rPr lang="en-US" sz="900" dirty="0" smtClean="0"/>
+              <a:t>Variational minimization of atomic and molecular ground-state energies via the two-particle reduced density </a:t>
+            </a:r>
+            <a:r>
+              <a:rPr lang="en-US" sz="900" dirty="0" smtClean="0"/>
+              <a:t>matrix.  </a:t>
             </a:r>
             <a:r>
               <a:rPr lang="en-US" sz="900" dirty="0" err="1" smtClean="0"/>
@@ -4878,15 +4995,7 @@
             </a:r>
             <a:r>
               <a:rPr lang="en-US" sz="900" dirty="0" smtClean="0"/>
-              <a:t>65</a:t>
-            </a:r>
-            <a:r>
-              <a:rPr lang="en-US" sz="900" dirty="0" smtClean="0"/>
-              <a:t>, </a:t>
-            </a:r>
-            <a:r>
-              <a:rPr lang="en-US" sz="900" dirty="0" smtClean="0"/>
-              <a:t>062511 (2002) </a:t>
+              <a:t>65(6):062511, 2002</a:t>
             </a:r>
             <a:endParaRPr lang="en-US" sz="900" dirty="0" smtClean="0"/>
           </a:p>
@@ -4904,11 +5013,23 @@
             </a:r>
             <a:r>
               <a:rPr lang="en-US" sz="900" dirty="0" smtClean="0"/>
-              <a:t>  Some formal results for the valence bond basis Nuclear Physics B 750 [FS] </a:t>
-            </a:r>
-            <a:r>
-              <a:rPr lang="en-US" sz="900" dirty="0" smtClean="0"/>
-              <a:t>142–178 (2006) </a:t>
+              <a:t>. </a:t>
+            </a:r>
+            <a:r>
+              <a:rPr lang="en-US" sz="900" dirty="0" smtClean="0"/>
+              <a:t>Some formal results for the valence bond </a:t>
+            </a:r>
+            <a:r>
+              <a:rPr lang="en-US" sz="900" dirty="0" smtClean="0"/>
+              <a:t>basis. </a:t>
+            </a:r>
+            <a:r>
+              <a:rPr lang="en-US" sz="900" dirty="0" smtClean="0"/>
+              <a:t>Nuclear Physics </a:t>
+            </a:r>
+            <a:r>
+              <a:rPr lang="en-US" sz="900" dirty="0" smtClean="0"/>
+              <a:t>B, 750(3):142–178, 2006</a:t>
             </a:r>
             <a:endParaRPr lang="en-US" sz="900" dirty="0" smtClean="0"/>
           </a:p>
@@ -4926,7 +5047,15 @@
             </a:r>
             <a:r>
               <a:rPr lang="en-US" sz="900" dirty="0" smtClean="0"/>
-              <a:t>, C. Y. Pan, Ground-State Energy of Heisenberg </a:t>
+              <a:t>, C. Y. </a:t>
+            </a:r>
+            <a:r>
+              <a:rPr lang="en-US" sz="900" dirty="0" smtClean="0"/>
+              <a:t>Pan. </a:t>
+            </a:r>
+            <a:r>
+              <a:rPr lang="en-US" sz="900" dirty="0" smtClean="0"/>
+              <a:t>Ground-State Energy of Heisenberg </a:t>
             </a:r>
             <a:r>
               <a:rPr lang="en-US" sz="900" dirty="0" err="1" smtClean="0"/>
@@ -4942,24 +5071,21 @@
             </a:r>
             <a:r>
               <a:rPr lang="en-US" sz="900" dirty="0" smtClean="0"/>
-              <a:t>., 61</a:t>
-            </a:r>
-            <a:r>
-              <a:rPr lang="en-US" sz="900" smtClean="0"/>
-              <a:t>, </a:t>
-            </a:r>
-            <a:r>
-              <a:rPr lang="en-US" sz="900" smtClean="0"/>
-              <a:t> </a:t>
-            </a:r>
-            <a:r>
-              <a:rPr lang="en-US" sz="900" dirty="0" smtClean="0"/>
-              <a:t>(</a:t>
-            </a:r>
-            <a:r>
-              <a:rPr lang="en-US" sz="900" dirty="0" smtClean="0"/>
-              <a:t>1988)</a:t>
-            </a:r>
+              <a:t>., </a:t>
+            </a:r>
+            <a:r>
+              <a:rPr lang="en-US" sz="900" dirty="0" smtClean="0"/>
+              <a:t>61(4):</a:t>
+            </a:r>
+            <a:r>
+              <a:rPr lang="ru-RU" sz="900" dirty="0" smtClean="0"/>
+              <a:t> 463</a:t>
+            </a:r>
+            <a:r>
+              <a:rPr lang="en-US" sz="900" dirty="0" smtClean="0"/>
+              <a:t>, 1988</a:t>
+            </a:r>
+            <a:endParaRPr lang="en-US" sz="900" dirty="0" smtClean="0"/>
           </a:p>
           <a:p>
             <a:pPr marL="228600" lvl="0" indent="-228600">

--- a/LaTeX-поделки/poster2018summer.pptx
+++ b/LaTeX-поделки/poster2018summer.pptx
@@ -289,7 +289,7 @@
             <a:fld id="{9E125DD6-F431-40D1-A114-89A2FE7B9B8E}" type="datetimeFigureOut">
               <a:rPr lang="ru-RU" smtClean="0"/>
               <a:pPr/>
-              <a:t>24.09.2018</a:t>
+              <a:t>26.09.2018</a:t>
             </a:fld>
             <a:endParaRPr lang="ru-RU"/>
           </a:p>
@@ -456,7 +456,7 @@
             <a:fld id="{9E125DD6-F431-40D1-A114-89A2FE7B9B8E}" type="datetimeFigureOut">
               <a:rPr lang="ru-RU" smtClean="0"/>
               <a:pPr/>
-              <a:t>24.09.2018</a:t>
+              <a:t>26.09.2018</a:t>
             </a:fld>
             <a:endParaRPr lang="ru-RU"/>
           </a:p>
@@ -633,7 +633,7 @@
             <a:fld id="{9E125DD6-F431-40D1-A114-89A2FE7B9B8E}" type="datetimeFigureOut">
               <a:rPr lang="ru-RU" smtClean="0"/>
               <a:pPr/>
-              <a:t>24.09.2018</a:t>
+              <a:t>26.09.2018</a:t>
             </a:fld>
             <a:endParaRPr lang="ru-RU"/>
           </a:p>
@@ -800,7 +800,7 @@
             <a:fld id="{9E125DD6-F431-40D1-A114-89A2FE7B9B8E}" type="datetimeFigureOut">
               <a:rPr lang="ru-RU" smtClean="0"/>
               <a:pPr/>
-              <a:t>24.09.2018</a:t>
+              <a:t>26.09.2018</a:t>
             </a:fld>
             <a:endParaRPr lang="ru-RU"/>
           </a:p>
@@ -1043,7 +1043,7 @@
             <a:fld id="{9E125DD6-F431-40D1-A114-89A2FE7B9B8E}" type="datetimeFigureOut">
               <a:rPr lang="ru-RU" smtClean="0"/>
               <a:pPr/>
-              <a:t>24.09.2018</a:t>
+              <a:t>26.09.2018</a:t>
             </a:fld>
             <a:endParaRPr lang="ru-RU"/>
           </a:p>
@@ -1328,7 +1328,7 @@
             <a:fld id="{9E125DD6-F431-40D1-A114-89A2FE7B9B8E}" type="datetimeFigureOut">
               <a:rPr lang="ru-RU" smtClean="0"/>
               <a:pPr/>
-              <a:t>24.09.2018</a:t>
+              <a:t>26.09.2018</a:t>
             </a:fld>
             <a:endParaRPr lang="ru-RU"/>
           </a:p>
@@ -1747,7 +1747,7 @@
             <a:fld id="{9E125DD6-F431-40D1-A114-89A2FE7B9B8E}" type="datetimeFigureOut">
               <a:rPr lang="ru-RU" smtClean="0"/>
               <a:pPr/>
-              <a:t>24.09.2018</a:t>
+              <a:t>26.09.2018</a:t>
             </a:fld>
             <a:endParaRPr lang="ru-RU"/>
           </a:p>
@@ -1862,7 +1862,7 @@
             <a:fld id="{9E125DD6-F431-40D1-A114-89A2FE7B9B8E}" type="datetimeFigureOut">
               <a:rPr lang="ru-RU" smtClean="0"/>
               <a:pPr/>
-              <a:t>24.09.2018</a:t>
+              <a:t>26.09.2018</a:t>
             </a:fld>
             <a:endParaRPr lang="ru-RU"/>
           </a:p>
@@ -1954,7 +1954,7 @@
             <a:fld id="{9E125DD6-F431-40D1-A114-89A2FE7B9B8E}" type="datetimeFigureOut">
               <a:rPr lang="ru-RU" smtClean="0"/>
               <a:pPr/>
-              <a:t>24.09.2018</a:t>
+              <a:t>26.09.2018</a:t>
             </a:fld>
             <a:endParaRPr lang="ru-RU"/>
           </a:p>
@@ -2228,7 +2228,7 @@
             <a:fld id="{9E125DD6-F431-40D1-A114-89A2FE7B9B8E}" type="datetimeFigureOut">
               <a:rPr lang="ru-RU" smtClean="0"/>
               <a:pPr/>
-              <a:t>24.09.2018</a:t>
+              <a:t>26.09.2018</a:t>
             </a:fld>
             <a:endParaRPr lang="ru-RU"/>
           </a:p>
@@ -2478,7 +2478,7 @@
             <a:fld id="{9E125DD6-F431-40D1-A114-89A2FE7B9B8E}" type="datetimeFigureOut">
               <a:rPr lang="ru-RU" smtClean="0"/>
               <a:pPr/>
-              <a:t>24.09.2018</a:t>
+              <a:t>26.09.2018</a:t>
             </a:fld>
             <a:endParaRPr lang="ru-RU"/>
           </a:p>
@@ -2688,7 +2688,7 @@
             <a:fld id="{9E125DD6-F431-40D1-A114-89A2FE7B9B8E}" type="datetimeFigureOut">
               <a:rPr lang="ru-RU" smtClean="0"/>
               <a:pPr/>
-              <a:t>24.09.2018</a:t>
+              <a:t>26.09.2018</a:t>
             </a:fld>
             <a:endParaRPr lang="ru-RU"/>
           </a:p>
@@ -3067,7 +3067,7 @@
         </p:nvSpPr>
         <p:spPr>
           <a:xfrm>
-            <a:off x="6240760" y="3736504"/>
+            <a:off x="6240760" y="3448472"/>
             <a:ext cx="1224136" cy="432048"/>
           </a:xfrm>
           <a:prstGeom prst="rect">
@@ -3114,7 +3114,7 @@
           <p:nvPr/>
         </p:nvGraphicFramePr>
         <p:xfrm>
-          <a:off x="6240760" y="3736504"/>
+          <a:off x="6240760" y="3448472"/>
           <a:ext cx="1206500" cy="393700"/>
         </p:xfrm>
         <a:graphic>
@@ -3133,8 +3133,8 @@
         </p:nvSpPr>
         <p:spPr>
           <a:xfrm>
-            <a:off x="408112" y="5320680"/>
-            <a:ext cx="3816424" cy="432048"/>
+            <a:off x="408112" y="5968752"/>
+            <a:ext cx="3816424" cy="648072"/>
           </a:xfrm>
           <a:prstGeom prst="rect">
             <a:avLst/>
@@ -3180,7 +3180,7 @@
         <p:spPr>
           <a:xfrm>
             <a:off x="1776264" y="208112"/>
-            <a:ext cx="6408712" cy="1354217"/>
+            <a:ext cx="6408712" cy="923330"/>
           </a:xfrm>
           <a:prstGeom prst="rect">
             <a:avLst/>
@@ -3203,11 +3203,7 @@
             <a:pPr algn="ctr"/>
             <a:r>
               <a:rPr lang="en-US" sz="1600" dirty="0" smtClean="0"/>
-              <a:t>density matrix </a:t>
-            </a:r>
-            <a:r>
-              <a:rPr lang="en-US" sz="1600" dirty="0" smtClean="0"/>
-              <a:t>parameterization, </a:t>
+              <a:t>density matrix parameterization and </a:t>
             </a:r>
             <a:r>
               <a:rPr lang="en-US" sz="1600" dirty="0" err="1" smtClean="0"/>
@@ -3215,12 +3211,8 @@
             </a:r>
             <a:r>
               <a:rPr lang="en-US" sz="1600" dirty="0" smtClean="0"/>
-              <a:t> method, exact diagonalization</a:t>
-            </a:r>
-          </a:p>
-          <a:p>
-            <a:pPr algn="ctr"/>
-            <a:endParaRPr lang="en-US" sz="1600" dirty="0" smtClean="0"/>
+              <a:t> method</a:t>
+            </a:r>
           </a:p>
           <a:p>
             <a:pPr algn="ctr"/>
@@ -3245,13 +3237,26 @@
               </a:rPr>
               <a:t>Uskov</a:t>
             </a:r>
-            <a:endParaRPr lang="en-US" sz="1200" dirty="0" smtClean="0">
-              <a:latin typeface="Times New Roman" pitchFamily="18" charset="0"/>
-              <a:cs typeface="Times New Roman" pitchFamily="18" charset="0"/>
-            </a:endParaRPr>
-          </a:p>
-          <a:p>
-            <a:pPr algn="ctr"/>
+            <a:r>
+              <a:rPr lang="ru-RU" sz="1200" dirty="0" smtClean="0">
+                <a:latin typeface="Times New Roman" pitchFamily="18" charset="0"/>
+                <a:cs typeface="Times New Roman" pitchFamily="18" charset="0"/>
+              </a:rPr>
+              <a:t> </a:t>
+            </a:r>
+            <a:r>
+              <a:rPr lang="en-US" sz="1200" dirty="0" smtClean="0">
+                <a:solidFill>
+                  <a:schemeClr val="tx2">
+                    <a:lumMod val="60000"/>
+                    <a:lumOff val="40000"/>
+                  </a:schemeClr>
+                </a:solidFill>
+                <a:latin typeface="Times New Roman" pitchFamily="18" charset="0"/>
+                <a:cs typeface="Times New Roman" pitchFamily="18" charset="0"/>
+              </a:rPr>
+              <a:t>(</a:t>
+            </a:r>
             <a:r>
               <a:rPr lang="en-US" sz="1200" dirty="0" err="1" smtClean="0">
                 <a:solidFill>
@@ -3266,7 +3271,7 @@
               <a:t>Skoltech</a:t>
             </a:r>
             <a:r>
-              <a:rPr lang="en-US" sz="1200" dirty="0" smtClean="0">
+              <a:rPr lang="ru-RU" sz="1200" dirty="0" smtClean="0">
                 <a:solidFill>
                   <a:schemeClr val="tx2">
                     <a:lumMod val="60000"/>
@@ -3276,33 +3281,7 @@
                 <a:latin typeface="Times New Roman" pitchFamily="18" charset="0"/>
                 <a:cs typeface="Times New Roman" pitchFamily="18" charset="0"/>
               </a:rPr>
-              <a:t>,      </a:t>
-            </a:r>
-            <a:r>
-              <a:rPr lang="en-US" sz="1200" dirty="0">
-                <a:solidFill>
-                  <a:schemeClr val="tx2">
-                    <a:lumMod val="60000"/>
-                    <a:lumOff val="40000"/>
-                  </a:schemeClr>
-                </a:solidFill>
-                <a:latin typeface="Times New Roman" pitchFamily="18" charset="0"/>
-                <a:cs typeface="Times New Roman" pitchFamily="18" charset="0"/>
-              </a:rPr>
-              <a:t>M</a:t>
-            </a:r>
-            <a:r>
-              <a:rPr lang="en-US" sz="1200" dirty="0" smtClean="0">
-                <a:solidFill>
-                  <a:schemeClr val="tx2">
-                    <a:lumMod val="60000"/>
-                    <a:lumOff val="40000"/>
-                  </a:schemeClr>
-                </a:solidFill>
-                <a:latin typeface="Times New Roman" pitchFamily="18" charset="0"/>
-                <a:cs typeface="Times New Roman" pitchFamily="18" charset="0"/>
-              </a:rPr>
-              <a:t>oscow  State  University</a:t>
+              <a:t>)</a:t>
             </a:r>
           </a:p>
           <a:p>
@@ -3342,30 +3321,6 @@
           </a:p>
         </p:txBody>
       </p:sp>
-      <p:pic>
-        <p:nvPicPr>
-          <p:cNvPr id="8" name="Рисунок 7" descr="msuLogo.png"/>
-          <p:cNvPicPr>
-            <a:picLocks noChangeAspect="1"/>
-          </p:cNvPicPr>
-          <p:nvPr/>
-        </p:nvPicPr>
-        <p:blipFill>
-          <a:blip r:embed="rId4" cstate="print"/>
-          <a:stretch>
-            <a:fillRect/>
-          </a:stretch>
-        </p:blipFill>
-        <p:spPr>
-          <a:xfrm>
-            <a:off x="8689032" y="208112"/>
-            <a:ext cx="780087" cy="936104"/>
-          </a:xfrm>
-          <a:prstGeom prst="rect">
-            <a:avLst/>
-          </a:prstGeom>
-        </p:spPr>
-      </p:pic>
       <p:pic>
         <p:nvPicPr>
           <p:cNvPr id="9" name="Рисунок 8" descr="skoltech_logo.png"/>
@@ -3375,7 +3330,7 @@
           <p:nvPr/>
         </p:nvPicPr>
         <p:blipFill>
-          <a:blip r:embed="rId5" cstate="print"/>
+          <a:blip r:embed="rId4" cstate="print"/>
           <a:stretch>
             <a:fillRect/>
           </a:stretch>
@@ -3398,7 +3353,7 @@
         </p:nvSpPr>
         <p:spPr>
           <a:xfrm>
-            <a:off x="336104" y="1648272"/>
+            <a:off x="336104" y="1288232"/>
             <a:ext cx="4392488" cy="276999"/>
           </a:xfrm>
           <a:prstGeom prst="rect">
@@ -3443,8 +3398,8 @@
         </p:nvSpPr>
         <p:spPr>
           <a:xfrm>
-            <a:off x="336104" y="1936304"/>
-            <a:ext cx="4392488" cy="1569660"/>
+            <a:off x="336104" y="1576264"/>
+            <a:ext cx="4392488" cy="1938992"/>
           </a:xfrm>
           <a:prstGeom prst="rect">
             <a:avLst/>
@@ -3483,6 +3438,12 @@
             <a:endParaRPr lang="en-US" sz="1200" dirty="0" smtClean="0"/>
           </a:p>
           <a:p>
+            <a:endParaRPr lang="en-US" sz="1200" dirty="0" smtClean="0"/>
+          </a:p>
+          <a:p>
+            <a:endParaRPr lang="en-US" sz="1200" dirty="0" smtClean="0"/>
+          </a:p>
+          <a:p>
             <a:endParaRPr lang="en-US" sz="1200" dirty="0"/>
           </a:p>
         </p:txBody>
@@ -3495,7 +3456,7 @@
         </p:nvSpPr>
         <p:spPr>
           <a:xfrm>
-            <a:off x="4872608" y="1648272"/>
+            <a:off x="4872608" y="1288232"/>
             <a:ext cx="4392488" cy="276999"/>
           </a:xfrm>
           <a:prstGeom prst="rect">
@@ -3541,14 +3502,14 @@
           <p:nvPr/>
         </p:nvPicPr>
         <p:blipFill>
-          <a:blip r:embed="rId6" cstate="print"/>
+          <a:blip r:embed="rId5" cstate="print"/>
           <a:stretch>
             <a:fillRect/>
           </a:stretch>
         </p:blipFill>
         <p:spPr>
           <a:xfrm>
-            <a:off x="480120" y="1936304"/>
+            <a:off x="480120" y="1648272"/>
             <a:ext cx="720080" cy="432048"/>
           </a:xfrm>
           <a:prstGeom prst="rect">
@@ -3565,7 +3526,7 @@
           <p:nvPr/>
         </p:nvPicPr>
         <p:blipFill>
-          <a:blip r:embed="rId7" cstate="print"/>
+          <a:blip r:embed="rId6" cstate="print"/>
           <a:srcRect/>
           <a:stretch>
             <a:fillRect/>
@@ -3573,7 +3534,7 @@
         </p:blipFill>
         <p:spPr bwMode="auto">
           <a:xfrm>
-            <a:off x="480120" y="2368352"/>
+            <a:off x="480120" y="2152328"/>
             <a:ext cx="648072" cy="433213"/>
           </a:xfrm>
           <a:prstGeom prst="rect">
@@ -3597,8 +3558,8 @@
         </p:nvSpPr>
         <p:spPr>
           <a:xfrm>
-            <a:off x="1416224" y="2008312"/>
-            <a:ext cx="3028393" cy="861774"/>
+            <a:off x="1416224" y="1648272"/>
+            <a:ext cx="2483372" cy="861774"/>
           </a:xfrm>
           <a:prstGeom prst="rect">
             <a:avLst/>
@@ -3639,7 +3600,7 @@
           <a:p>
             <a:r>
               <a:rPr lang="en-US" sz="1000" dirty="0" smtClean="0"/>
-              <a:t>Scalar and mixed products of vectors of Pauli matrices:</a:t>
+              <a:t>Scalar and mixed products of Pauli matrices:</a:t>
             </a:r>
             <a:endParaRPr lang="ru-RU" sz="1000" dirty="0"/>
           </a:p>
@@ -3654,12 +3615,12 @@
           <p:nvPr/>
         </p:nvGraphicFramePr>
         <p:xfrm>
-          <a:off x="2856384" y="2008312"/>
+          <a:off x="2856384" y="1648272"/>
           <a:ext cx="1079500" cy="368300"/>
         </p:xfrm>
         <a:graphic>
           <a:graphicData uri="http://schemas.openxmlformats.org/presentationml/2006/ole">
-            <p:oleObj spid="_x0000_s11275" name="Equation" r:id="rId8" imgW="1079280" imgH="368280" progId="Equation.DSMT4">
+            <p:oleObj spid="_x0000_s11275" name="Equation" r:id="rId7" imgW="1079280" imgH="368280" progId="Equation.DSMT4">
               <p:embed/>
             </p:oleObj>
           </a:graphicData>
@@ -3674,12 +3635,12 @@
           <p:nvPr/>
         </p:nvGraphicFramePr>
         <p:xfrm>
-          <a:off x="480120" y="2800400"/>
+          <a:off x="480120" y="2656384"/>
           <a:ext cx="3744416" cy="681854"/>
         </p:xfrm>
         <a:graphic>
           <a:graphicData uri="http://schemas.openxmlformats.org/presentationml/2006/ole">
-            <p:oleObj spid="_x0000_s11276" name="Equation" r:id="rId9" imgW="4114800" imgH="749160" progId="Equation.DSMT4">
+            <p:oleObj spid="_x0000_s11276" name="Equation" r:id="rId8" imgW="4114800" imgH="749160" progId="Equation.DSMT4">
               <p:embed/>
             </p:oleObj>
           </a:graphicData>
@@ -3693,8 +3654,8 @@
         </p:nvSpPr>
         <p:spPr>
           <a:xfrm>
-            <a:off x="4872608" y="1936304"/>
-            <a:ext cx="4392488" cy="3939540"/>
+            <a:off x="4872608" y="1576264"/>
+            <a:ext cx="4392488" cy="5170646"/>
           </a:xfrm>
           <a:prstGeom prst="rect">
             <a:avLst/>
@@ -3815,8 +3776,12 @@
               <a:buChar char="•"/>
             </a:pPr>
             <a:r>
+              <a:rPr lang="en-US" sz="1000" dirty="0" err="1" smtClean="0"/>
+              <a:t>Anerson</a:t>
+            </a:r>
+            <a:r>
               <a:rPr lang="en-US" sz="1000" dirty="0" smtClean="0"/>
-              <a:t>Schrödinger equation:</a:t>
+              <a:t> bound[3]:</a:t>
             </a:r>
           </a:p>
           <a:p>
@@ -3841,9 +3806,20 @@
               <a:buFont typeface="Arial" pitchFamily="34" charset="0"/>
               <a:buChar char="•"/>
             </a:pPr>
+            <a:endParaRPr lang="en-US" sz="1000" dirty="0" smtClean="0"/>
+          </a:p>
+          <a:p>
+            <a:pPr>
+              <a:buFont typeface="Arial" pitchFamily="34" charset="0"/>
+              <a:buChar char="•"/>
+            </a:pPr>
+            <a:r>
+              <a:rPr lang="en-US" sz="1000" dirty="0" err="1" smtClean="0"/>
+              <a:t>Variational</a:t>
+            </a:r>
             <a:r>
               <a:rPr lang="en-US" sz="1000" dirty="0" smtClean="0"/>
-              <a:t>Variational method: </a:t>
+              <a:t> method: </a:t>
             </a:r>
           </a:p>
           <a:p>
@@ -3915,6 +3891,60 @@
               <a:buChar char="•"/>
             </a:pPr>
             <a:endParaRPr lang="en-US" sz="1000" dirty="0" smtClean="0"/>
+          </a:p>
+          <a:p>
+            <a:pPr>
+              <a:buFont typeface="Arial" pitchFamily="34" charset="0"/>
+              <a:buChar char="•"/>
+            </a:pPr>
+            <a:r>
+              <a:rPr lang="en-US" sz="1000" dirty="0" smtClean="0"/>
+              <a:t>Comparison:</a:t>
+            </a:r>
+          </a:p>
+          <a:p>
+            <a:pPr>
+              <a:buFont typeface="Arial" pitchFamily="34" charset="0"/>
+              <a:buChar char="•"/>
+            </a:pPr>
+            <a:endParaRPr lang="en-US" sz="1000" dirty="0" smtClean="0"/>
+          </a:p>
+          <a:p>
+            <a:pPr>
+              <a:buFont typeface="Arial" pitchFamily="34" charset="0"/>
+              <a:buChar char="•"/>
+            </a:pPr>
+            <a:endParaRPr lang="en-US" sz="1000" dirty="0" smtClean="0"/>
+          </a:p>
+          <a:p>
+            <a:pPr>
+              <a:buFont typeface="Arial" pitchFamily="34" charset="0"/>
+              <a:buChar char="•"/>
+            </a:pPr>
+            <a:endParaRPr lang="en-US" sz="1000" dirty="0" smtClean="0"/>
+          </a:p>
+          <a:p>
+            <a:pPr>
+              <a:buFont typeface="Arial" pitchFamily="34" charset="0"/>
+              <a:buChar char="•"/>
+            </a:pPr>
+            <a:endParaRPr lang="en-US" sz="1000" dirty="0" smtClean="0"/>
+          </a:p>
+          <a:p>
+            <a:r>
+              <a:rPr lang="en-US" sz="1000" dirty="0" err="1" smtClean="0"/>
+              <a:t>Variational</a:t>
+            </a:r>
+            <a:r>
+              <a:rPr lang="en-US" sz="1000" dirty="0" smtClean="0"/>
+              <a:t> method in general outperform Anderson bound </a:t>
+            </a:r>
+          </a:p>
+          <a:p>
+            <a:r>
+              <a:rPr lang="en-US" sz="1000" dirty="0" smtClean="0"/>
+              <a:t>for the same cluster size</a:t>
+            </a:r>
           </a:p>
         </p:txBody>
       </p:sp>
@@ -3927,12 +3957,12 @@
           <p:nvPr/>
         </p:nvGraphicFramePr>
         <p:xfrm>
-          <a:off x="6312768" y="2008312"/>
+          <a:off x="6312768" y="1648272"/>
           <a:ext cx="1384300" cy="241300"/>
         </p:xfrm>
         <a:graphic>
           <a:graphicData uri="http://schemas.openxmlformats.org/presentationml/2006/ole">
-            <p:oleObj spid="_x0000_s11277" name="Equation" r:id="rId10" imgW="1384200" imgH="241200" progId="Equation.DSMT4">
+            <p:oleObj spid="_x0000_s11277" name="Equation" r:id="rId9" imgW="1384200" imgH="241200" progId="Equation.DSMT4">
               <p:embed/>
             </p:oleObj>
           </a:graphicData>
@@ -3947,12 +3977,12 @@
           <p:nvPr/>
         </p:nvGraphicFramePr>
         <p:xfrm>
-          <a:off x="6240760" y="3376464"/>
+          <a:off x="6168752" y="3016424"/>
           <a:ext cx="2463800" cy="431800"/>
         </p:xfrm>
         <a:graphic>
           <a:graphicData uri="http://schemas.openxmlformats.org/presentationml/2006/ole">
-            <p:oleObj spid="_x0000_s11278" name="Equation" r:id="rId11" imgW="2463480" imgH="431640" progId="Equation.DSMT4">
+            <p:oleObj spid="_x0000_s11278" name="Equation" r:id="rId10" imgW="2463480" imgH="431640" progId="Equation.DSMT4">
               <p:embed/>
             </p:oleObj>
           </a:graphicData>
@@ -3967,12 +3997,12 @@
           <p:nvPr/>
         </p:nvGraphicFramePr>
         <p:xfrm>
-          <a:off x="4910138" y="4312097"/>
+          <a:off x="4872608" y="4096544"/>
           <a:ext cx="4254500" cy="1371600"/>
         </p:xfrm>
         <a:graphic>
           <a:graphicData uri="http://schemas.openxmlformats.org/presentationml/2006/ole">
-            <p:oleObj spid="_x0000_s11280" name="Equation" r:id="rId12" imgW="4254480" imgH="1371600" progId="Equation.DSMT4">
+            <p:oleObj spid="_x0000_s11280" name="Equation" r:id="rId11" imgW="4254480" imgH="1371600" progId="Equation.DSMT4">
               <p:embed/>
             </p:oleObj>
           </a:graphicData>
@@ -3987,12 +4017,12 @@
           <p:nvPr/>
         </p:nvGraphicFramePr>
         <p:xfrm>
-          <a:off x="8112968" y="2800400"/>
+          <a:off x="8112968" y="2440360"/>
           <a:ext cx="609600" cy="393700"/>
         </p:xfrm>
         <a:graphic>
           <a:graphicData uri="http://schemas.openxmlformats.org/presentationml/2006/ole">
-            <p:oleObj spid="_x0000_s11281" name="Equation" r:id="rId13" imgW="609480" imgH="393480" progId="Equation.DSMT4">
+            <p:oleObj spid="_x0000_s11281" name="Equation" r:id="rId12" imgW="609480" imgH="393480" progId="Equation.DSMT4">
               <p:embed/>
             </p:oleObj>
           </a:graphicData>
@@ -4006,7 +4036,7 @@
         </p:nvSpPr>
         <p:spPr>
           <a:xfrm>
-            <a:off x="336104" y="3592488"/>
+            <a:off x="336104" y="3664496"/>
             <a:ext cx="4392488" cy="276999"/>
           </a:xfrm>
           <a:prstGeom prst="rect">
@@ -4051,8 +4081,8 @@
         </p:nvSpPr>
         <p:spPr>
           <a:xfrm>
-            <a:off x="336104" y="3880520"/>
-            <a:ext cx="4392488" cy="1938992"/>
+            <a:off x="336104" y="3952528"/>
+            <a:ext cx="4392488" cy="2708434"/>
           </a:xfrm>
           <a:prstGeom prst="rect">
             <a:avLst/>
@@ -4097,9 +4127,25 @@
             <a:endParaRPr lang="en-US" sz="1000" dirty="0" smtClean="0"/>
           </a:p>
           <a:p>
+            <a:endParaRPr lang="en-US" sz="1000" dirty="0" smtClean="0"/>
+          </a:p>
+          <a:p>
+            <a:endParaRPr lang="en-US" sz="1000" dirty="0" smtClean="0"/>
+          </a:p>
+          <a:p>
+            <a:endParaRPr lang="en-US" sz="1000" dirty="0" smtClean="0"/>
+          </a:p>
+          <a:p>
+            <a:endParaRPr lang="en-US" sz="1000" dirty="0" smtClean="0"/>
+          </a:p>
+          <a:p>
             <a:r>
               <a:rPr lang="en-US" sz="1000" dirty="0" smtClean="0"/>
-              <a:t>Basis is </a:t>
+              <a:t>Basis </a:t>
+            </a:r>
+            <a:r>
+              <a:rPr lang="en-US" sz="1000" dirty="0" smtClean="0"/>
+              <a:t>is </a:t>
             </a:r>
             <a:r>
               <a:rPr lang="en-US" sz="1000" dirty="0" err="1" smtClean="0"/>
@@ -4107,8 +4153,11 @@
             </a:r>
             <a:r>
               <a:rPr lang="en-US" sz="1000" dirty="0" smtClean="0"/>
-              <a:t>, but we can eject unwanted vectors:</a:t>
-            </a:r>
+              <a:t>, but we can remove unwanted vectors:</a:t>
+            </a:r>
+          </a:p>
+          <a:p>
+            <a:endParaRPr lang="en-US" sz="1000" dirty="0" smtClean="0"/>
           </a:p>
           <a:p>
             <a:endParaRPr lang="en-US" sz="1000" dirty="0" smtClean="0"/>
@@ -4116,15 +4165,7 @@
           <a:p>
             <a:r>
               <a:rPr lang="en-US" sz="1000" dirty="0" smtClean="0"/>
-              <a:t>- </a:t>
-            </a:r>
-            <a:r>
-              <a:rPr lang="en-US" sz="1000" dirty="0" err="1" smtClean="0"/>
-              <a:t>hypotesis</a:t>
-            </a:r>
-            <a:r>
-              <a:rPr lang="en-US" sz="1000" dirty="0" smtClean="0"/>
-              <a:t>, checked only up to 10 spins</a:t>
+              <a:t>- hypothesis, checked only up to 10 spins</a:t>
             </a:r>
           </a:p>
         </p:txBody>
@@ -4138,12 +4179,12 @@
           <p:nvPr/>
         </p:nvGraphicFramePr>
         <p:xfrm>
-          <a:off x="408112" y="3880520"/>
-          <a:ext cx="3784600" cy="228600"/>
+          <a:off x="408112" y="4024536"/>
+          <a:ext cx="3695700" cy="228600"/>
         </p:xfrm>
         <a:graphic>
           <a:graphicData uri="http://schemas.openxmlformats.org/presentationml/2006/ole">
-            <p:oleObj spid="_x0000_s11282" name="Equation" r:id="rId14" imgW="3784320" imgH="228600" progId="Equation.DSMT4">
+            <p:oleObj spid="_x0000_s11282" name="Equation" r:id="rId13" imgW="3695400" imgH="228600" progId="Equation.DSMT4">
               <p:embed/>
             </p:oleObj>
           </a:graphicData>
@@ -4196,12 +4237,12 @@
           <p:nvPr/>
         </p:nvGraphicFramePr>
         <p:xfrm>
-          <a:off x="408112" y="4096544"/>
+          <a:off x="408112" y="4456584"/>
           <a:ext cx="2209800" cy="660400"/>
         </p:xfrm>
         <a:graphic>
           <a:graphicData uri="http://schemas.openxmlformats.org/presentationml/2006/ole">
-            <p:oleObj spid="_x0000_s11285" name="Equation" r:id="rId15" imgW="2209680" imgH="660240" progId="Equation.DSMT4">
+            <p:oleObj spid="_x0000_s11285" name="Equation" r:id="rId14" imgW="2209680" imgH="660240" progId="Equation.DSMT4">
               <p:embed/>
             </p:oleObj>
           </a:graphicData>
@@ -4216,12 +4257,12 @@
           <p:nvPr/>
         </p:nvGraphicFramePr>
         <p:xfrm>
-          <a:off x="408112" y="4744616"/>
+          <a:off x="408112" y="5320680"/>
           <a:ext cx="3822700" cy="482600"/>
         </p:xfrm>
         <a:graphic>
           <a:graphicData uri="http://schemas.openxmlformats.org/presentationml/2006/ole">
-            <p:oleObj spid="_x0000_s11286" name="Equation" r:id="rId16" imgW="3822480" imgH="482400" progId="Equation.DSMT4">
+            <p:oleObj spid="_x0000_s11286" name="Equation" r:id="rId15" imgW="3822480" imgH="482400" progId="Equation.DSMT4">
               <p:embed/>
             </p:oleObj>
           </a:graphicData>
@@ -4235,7 +4276,7 @@
         </p:nvSpPr>
         <p:spPr>
           <a:xfrm>
-            <a:off x="336104" y="5896744"/>
+            <a:off x="336104" y="6832848"/>
             <a:ext cx="4392488" cy="276999"/>
           </a:xfrm>
           <a:prstGeom prst="rect">
@@ -4280,8 +4321,8 @@
         </p:nvSpPr>
         <p:spPr>
           <a:xfrm>
-            <a:off x="336104" y="6184776"/>
-            <a:ext cx="4392488" cy="3785652"/>
+            <a:off x="336104" y="7120880"/>
+            <a:ext cx="4392488" cy="3939540"/>
           </a:xfrm>
           <a:prstGeom prst="rect">
             <a:avLst/>
@@ -4305,13 +4346,13 @@
             </a:pPr>
             <a:r>
               <a:rPr lang="en-US" sz="1000" dirty="0" smtClean="0"/>
-              <a:t>Algorithm which based on identity of Pauli (                                                  )</a:t>
+              <a:t>Algorithm which based on Pauli identity (                                                  )</a:t>
             </a:r>
           </a:p>
           <a:p>
             <a:r>
               <a:rPr lang="en-US" sz="1000" dirty="0" smtClean="0"/>
-              <a:t>was implemented in Wolfram Mathematica</a:t>
+              <a:t>implemented in Wolfram Mathematica</a:t>
             </a:r>
           </a:p>
           <a:p>
@@ -4349,9 +4390,20 @@
               <a:buFont typeface="Arial" pitchFamily="34" charset="0"/>
               <a:buChar char="•"/>
             </a:pPr>
+            <a:endParaRPr lang="en-US" sz="1000" dirty="0" smtClean="0"/>
+          </a:p>
+          <a:p>
+            <a:pPr>
+              <a:buFont typeface="Arial" pitchFamily="34" charset="0"/>
+              <a:buChar char="•"/>
+            </a:pPr>
             <a:r>
               <a:rPr lang="en-US" sz="1000" dirty="0" smtClean="0"/>
-              <a:t>Scalar product of matrices also was implemented in Wolfram Mathematica:</a:t>
+              <a:t>Scalar </a:t>
+            </a:r>
+            <a:r>
+              <a:rPr lang="en-US" sz="1000" dirty="0" smtClean="0"/>
+              <a:t>product of matrices implemented in Wolfram Mathematica:</a:t>
             </a:r>
           </a:p>
           <a:p>
@@ -4401,12 +4453,12 @@
           <p:nvPr/>
         </p:nvGraphicFramePr>
         <p:xfrm>
-          <a:off x="2712368" y="6184776"/>
+          <a:off x="2640360" y="7120880"/>
           <a:ext cx="1371600" cy="203200"/>
         </p:xfrm>
         <a:graphic>
           <a:graphicData uri="http://schemas.openxmlformats.org/presentationml/2006/ole">
-            <p:oleObj spid="_x0000_s11287" name="Equation" r:id="rId17" imgW="1371600" imgH="203040" progId="Equation.DSMT4">
+            <p:oleObj spid="_x0000_s11287" name="Equation" r:id="rId16" imgW="1371600" imgH="203040" progId="Equation.DSMT4">
               <p:embed/>
             </p:oleObj>
           </a:graphicData>
@@ -4421,12 +4473,12 @@
           <p:nvPr/>
         </p:nvGraphicFramePr>
         <p:xfrm>
-          <a:off x="480120" y="6544816"/>
+          <a:off x="480120" y="7480920"/>
           <a:ext cx="3600400" cy="1461282"/>
         </p:xfrm>
         <a:graphic>
           <a:graphicData uri="http://schemas.openxmlformats.org/presentationml/2006/ole">
-            <p:oleObj spid="_x0000_s11288" name="Equation" r:id="rId18" imgW="5244840" imgH="2133360" progId="Equation.DSMT4">
+            <p:oleObj spid="_x0000_s11288" name="Equation" r:id="rId17" imgW="5244840" imgH="2133360" progId="Equation.DSMT4">
               <p:embed/>
             </p:oleObj>
           </a:graphicData>
@@ -4439,14 +4491,14 @@
           <p:nvPr/>
         </p:nvPicPr>
         <p:blipFill>
-          <a:blip r:embed="rId19" cstate="print"/>
+          <a:blip r:embed="rId18" cstate="print"/>
           <a:stretch>
             <a:fillRect/>
           </a:stretch>
         </p:blipFill>
         <p:spPr>
           <a:xfrm>
-            <a:off x="3360440" y="8273008"/>
+            <a:off x="3360440" y="9353128"/>
             <a:ext cx="1152128" cy="1384375"/>
           </a:xfrm>
           <a:prstGeom prst="rect">
@@ -4463,178 +4515,17 @@
           <p:nvPr/>
         </p:nvGraphicFramePr>
         <p:xfrm>
-          <a:off x="408112" y="8344386"/>
+          <a:off x="408112" y="9424506"/>
           <a:ext cx="3096344" cy="1427221"/>
         </p:xfrm>
         <a:graphic>
           <a:graphicData uri="http://schemas.openxmlformats.org/presentationml/2006/ole">
-            <p:oleObj spid="_x0000_s11290" name="Equation" r:id="rId20" imgW="3251160" imgH="1498320" progId="Equation.DSMT4">
+            <p:oleObj spid="_x0000_s11290" name="Equation" r:id="rId19" imgW="3251160" imgH="1498320" progId="Equation.DSMT4">
               <p:embed/>
             </p:oleObj>
           </a:graphicData>
         </a:graphic>
       </p:graphicFrame>
-      <p:sp>
-        <p:nvSpPr>
-          <p:cNvPr id="48" name="TextBox 47"/>
-          <p:cNvSpPr txBox="1"/>
-          <p:nvPr/>
-        </p:nvSpPr>
-        <p:spPr>
-          <a:xfrm>
-            <a:off x="336104" y="10001200"/>
-            <a:ext cx="4392488" cy="276999"/>
-          </a:xfrm>
-          <a:prstGeom prst="rect">
-            <a:avLst/>
-          </a:prstGeom>
-          <a:solidFill>
-            <a:schemeClr val="tx2"/>
-          </a:solidFill>
-          <a:ln>
-            <a:solidFill>
-              <a:schemeClr val="tx2"/>
-            </a:solidFill>
-          </a:ln>
-        </p:spPr>
-        <p:txBody>
-          <a:bodyPr wrap="square" rtlCol="0">
-            <a:spAutoFit/>
-          </a:bodyPr>
-          <a:lstStyle/>
-          <a:p>
-            <a:r>
-              <a:rPr lang="en-US" sz="1200" dirty="0" smtClean="0">
-                <a:solidFill>
-                  <a:schemeClr val="bg1"/>
-                </a:solidFill>
-              </a:rPr>
-              <a:t>Results                                                              1d:</a:t>
-            </a:r>
-            <a:endParaRPr lang="ru-RU" sz="1200" dirty="0">
-              <a:solidFill>
-                <a:schemeClr val="bg1"/>
-              </a:solidFill>
-            </a:endParaRPr>
-          </a:p>
-        </p:txBody>
-      </p:sp>
-      <p:sp>
-        <p:nvSpPr>
-          <p:cNvPr id="49" name="TextBox 48"/>
-          <p:cNvSpPr txBox="1"/>
-          <p:nvPr/>
-        </p:nvSpPr>
-        <p:spPr>
-          <a:xfrm>
-            <a:off x="336104" y="10289232"/>
-            <a:ext cx="4392488" cy="1015663"/>
-          </a:xfrm>
-          <a:prstGeom prst="rect">
-            <a:avLst/>
-          </a:prstGeom>
-          <a:noFill/>
-          <a:ln>
-            <a:solidFill>
-              <a:schemeClr val="tx2"/>
-            </a:solidFill>
-          </a:ln>
-        </p:spPr>
-        <p:txBody>
-          <a:bodyPr wrap="square" rtlCol="0">
-            <a:spAutoFit/>
-          </a:bodyPr>
-          <a:lstStyle/>
-          <a:p>
-            <a:r>
-              <a:rPr lang="en-US" sz="1000" dirty="0" smtClean="0"/>
-              <a:t>2d:</a:t>
-            </a:r>
-          </a:p>
-          <a:p>
-            <a:r>
-              <a:rPr lang="en-US" sz="1000" dirty="0" smtClean="0"/>
-              <a:t>                                 </a:t>
-            </a:r>
-            <a:r>
-              <a:rPr lang="en-US" sz="1000" dirty="0" err="1" smtClean="0"/>
-              <a:t>E</a:t>
-            </a:r>
-            <a:r>
-              <a:rPr lang="en-US" sz="1000" baseline="-25000" dirty="0" err="1" smtClean="0"/>
-              <a:t>gs</a:t>
-            </a:r>
-            <a:r>
-              <a:rPr lang="en-US" sz="1000" dirty="0" smtClean="0"/>
-              <a:t>/N &gt; 3</a:t>
-            </a:r>
-          </a:p>
-          <a:p>
-            <a:endParaRPr lang="en-US" sz="1000" dirty="0" smtClean="0"/>
-          </a:p>
-          <a:p>
-            <a:r>
-              <a:rPr lang="en-US" sz="1000" dirty="0" smtClean="0"/>
-              <a:t>                                 </a:t>
-            </a:r>
-            <a:r>
-              <a:rPr lang="en-US" sz="1000" dirty="0" err="1" smtClean="0"/>
-              <a:t>E</a:t>
-            </a:r>
-            <a:r>
-              <a:rPr lang="en-US" sz="1000" baseline="-25000" dirty="0" err="1" smtClean="0"/>
-              <a:t>gs</a:t>
-            </a:r>
-            <a:r>
-              <a:rPr lang="en-US" sz="1000" dirty="0" smtClean="0"/>
-              <a:t>/N &gt; </a:t>
-            </a:r>
-            <a:r>
-              <a:rPr lang="ru-RU" sz="1000" dirty="0" smtClean="0"/>
-              <a:t>-2,9685</a:t>
-            </a:r>
-            <a:endParaRPr lang="en-US" sz="1000" dirty="0" smtClean="0"/>
-          </a:p>
-          <a:p>
-            <a:endParaRPr lang="en-US" sz="1000" dirty="0" smtClean="0"/>
-          </a:p>
-          <a:p>
-            <a:r>
-              <a:rPr lang="en-US" sz="1000" dirty="0" smtClean="0"/>
-              <a:t>1d </a:t>
-            </a:r>
-            <a:r>
-              <a:rPr lang="en-US" sz="1000" smtClean="0"/>
-              <a:t>exact theoretical [</a:t>
-            </a:r>
-            <a:r>
-              <a:rPr lang="en-US" sz="1000" dirty="0" smtClean="0"/>
-              <a:t>7]:  </a:t>
-            </a:r>
-            <a:r>
-              <a:rPr lang="en-US" sz="1000" dirty="0" err="1" smtClean="0"/>
-              <a:t>E</a:t>
-            </a:r>
-            <a:r>
-              <a:rPr lang="en-US" sz="1000" baseline="-25000" dirty="0" err="1" smtClean="0"/>
-              <a:t>gs</a:t>
-            </a:r>
-            <a:r>
-              <a:rPr lang="en-US" sz="1000" dirty="0" smtClean="0"/>
-              <a:t>/N = 1 – 4 </a:t>
-            </a:r>
-            <a:r>
-              <a:rPr lang="en-US" sz="1000" dirty="0" err="1" smtClean="0"/>
-              <a:t>ln</a:t>
-            </a:r>
-            <a:r>
-              <a:rPr lang="en-US" sz="1000" dirty="0" smtClean="0"/>
-              <a:t> 2 = – 1.7725</a:t>
-            </a:r>
-            <a:endParaRPr lang="ru-RU" sz="1000" dirty="0"/>
-          </a:p>
-        </p:txBody>
-      </p:sp>
       <p:sp>
         <p:nvSpPr>
           <p:cNvPr id="50" name="TextBox 49"/>
@@ -4699,15 +4590,7 @@
             </a:r>
             <a:r>
               <a:rPr lang="en-US" sz="900" dirty="0" smtClean="0"/>
-              <a:t>.</a:t>
-            </a:r>
-            <a:r>
-              <a:rPr lang="en-US" sz="900" dirty="0" smtClean="0"/>
-              <a:t> </a:t>
-            </a:r>
-            <a:r>
-              <a:rPr lang="en-US" sz="900" dirty="0" smtClean="0"/>
-              <a:t>Squaring </a:t>
+              <a:t>. Squaring </a:t>
             </a:r>
             <a:r>
               <a:rPr lang="en-US" sz="900" dirty="0" err="1" smtClean="0"/>
@@ -4723,17 +4606,8 @@
             </a:r>
             <a:r>
               <a:rPr lang="en-US" sz="900" dirty="0" smtClean="0"/>
-              <a:t>. </a:t>
-            </a:r>
-            <a:r>
-              <a:rPr lang="en-US" sz="900" smtClean="0"/>
-              <a:t>51(????):</a:t>
-            </a:r>
-            <a:r>
-              <a:rPr lang="en-US" sz="900" dirty="0" smtClean="0"/>
-              <a:t>085301, 2018</a:t>
-            </a:r>
-            <a:endParaRPr lang="en-US" sz="900" dirty="0" smtClean="0"/>
+              <a:t>. 51:085301, 2018</a:t>
+            </a:r>
           </a:p>
           <a:p>
             <a:pPr marL="228600" lvl="0" indent="-228600">
@@ -4757,15 +4631,7 @@
             </a:r>
             <a:r>
               <a:rPr lang="en-US" sz="900" dirty="0" smtClean="0"/>
-              <a:t>.</a:t>
-            </a:r>
-            <a:r>
-              <a:rPr lang="en-US" sz="900" dirty="0" smtClean="0"/>
-              <a:t> </a:t>
-            </a:r>
-            <a:r>
-              <a:rPr lang="en-US" sz="900" dirty="0" smtClean="0"/>
-              <a:t>Exact lower bounds to the ground-state energy of spin systems: The two-dimensional S= 1/2 </a:t>
+              <a:t>. Exact lower bounds to the ground-state energy of spin systems: The two-dimensional S= 1/2 </a:t>
             </a:r>
             <a:r>
               <a:rPr lang="en-US" sz="900" dirty="0" err="1" smtClean="0"/>
@@ -4773,19 +4639,7 @@
             </a:r>
             <a:r>
               <a:rPr lang="en-US" sz="900" dirty="0" smtClean="0"/>
-              <a:t> Heisenberg </a:t>
-            </a:r>
-            <a:r>
-              <a:rPr lang="en-US" sz="900" dirty="0" smtClean="0"/>
-              <a:t>model. </a:t>
-            </a:r>
-            <a:r>
-              <a:rPr lang="en-US" sz="900" dirty="0" smtClean="0"/>
-              <a:t>Physical </a:t>
-            </a:r>
-            <a:r>
-              <a:rPr lang="en-US" sz="900" dirty="0" smtClean="0"/>
-              <a:t>review B , </a:t>
+              <a:t> Heisenberg model. Physical review B , </a:t>
             </a:r>
             <a:r>
               <a:rPr lang="ru-RU" sz="900" dirty="0" smtClean="0"/>
@@ -4809,13 +4663,8 @@
             </a:r>
             <a:r>
               <a:rPr lang="en-US" sz="900" dirty="0" smtClean="0"/>
-              <a:t> , </a:t>
-            </a:r>
-            <a:r>
-              <a:rPr lang="en-US" sz="900" dirty="0" smtClean="0"/>
-              <a:t>1990</a:t>
-            </a:r>
-            <a:endParaRPr lang="en-US" sz="900" dirty="0" smtClean="0"/>
+              <a:t> , 1990</a:t>
+            </a:r>
           </a:p>
           <a:p>
             <a:pPr marL="228600" lvl="0" indent="-228600">
@@ -4823,11 +4672,7 @@
             </a:pPr>
             <a:r>
               <a:rPr lang="en-US" sz="900" dirty="0" smtClean="0"/>
-              <a:t>P. W. Anderson. </a:t>
-            </a:r>
-            <a:r>
-              <a:rPr lang="en-US" sz="900" dirty="0" smtClean="0"/>
-              <a:t>Limits on the energy of the </a:t>
+              <a:t>P. W. Anderson. Limits on the energy of the </a:t>
             </a:r>
             <a:r>
               <a:rPr lang="en-US" sz="900" dirty="0" err="1" smtClean="0"/>
@@ -4835,19 +4680,7 @@
             </a:r>
             <a:r>
               <a:rPr lang="en-US" sz="900" dirty="0" smtClean="0"/>
-              <a:t> ground state.</a:t>
-            </a:r>
-            <a:r>
-              <a:rPr lang="en-US" sz="900" dirty="0" smtClean="0"/>
-              <a:t> </a:t>
-            </a:r>
-            <a:r>
-              <a:rPr lang="en-US" sz="900" dirty="0" smtClean="0"/>
-              <a:t>Physical </a:t>
-            </a:r>
-            <a:r>
-              <a:rPr lang="en-US" sz="900" dirty="0" smtClean="0"/>
-              <a:t>Review, </a:t>
+              <a:t> ground state. Physical Review, </a:t>
             </a:r>
             <a:r>
               <a:rPr lang="ru-RU" sz="900" dirty="0" smtClean="0"/>
@@ -4871,13 +4704,8 @@
             </a:r>
             <a:r>
               <a:rPr lang="en-US" sz="900" dirty="0" smtClean="0"/>
-              <a:t>,</a:t>
-            </a:r>
-            <a:r>
-              <a:rPr lang="en-US" sz="900" dirty="0" smtClean="0"/>
-              <a:t> 1951</a:t>
-            </a:r>
-            <a:endParaRPr lang="en-US" sz="900" dirty="0" smtClean="0"/>
+              <a:t>, 1951</a:t>
+            </a:r>
           </a:p>
           <a:p>
             <a:pPr marL="228600" lvl="0" indent="-228600">
@@ -4897,11 +4725,7 @@
             </a:r>
             <a:r>
               <a:rPr lang="en-US" sz="900" dirty="0" smtClean="0"/>
-              <a:t> </a:t>
-            </a:r>
-            <a:r>
-              <a:rPr lang="en-US" sz="900" dirty="0" smtClean="0"/>
-              <a:t>and Martin B </a:t>
+              <a:t> and Martin B </a:t>
             </a:r>
             <a:r>
               <a:rPr lang="en-US" sz="900" dirty="0" err="1" smtClean="0"/>
@@ -4909,53 +4733,16 @@
             </a:r>
             <a:r>
               <a:rPr lang="en-US" sz="900" dirty="0" smtClean="0"/>
-              <a:t>.</a:t>
+              <a:t>. Lower bounds for ground states of condensed matter systems. New Journal of Physics , 14(2):</a:t>
+            </a:r>
+            <a:r>
+              <a:rPr lang="ru-RU" sz="900" dirty="0" smtClean="0"/>
+              <a:t> 023027</a:t>
             </a:r>
             <a:r>
               <a:rPr lang="en-US" sz="900" dirty="0" smtClean="0"/>
-              <a:t> </a:t>
-            </a:r>
-            <a:r>
-              <a:rPr lang="en-US" sz="900" dirty="0" smtClean="0"/>
-              <a:t>Lower bounds for ground states of condensed matter </a:t>
-            </a:r>
-            <a:r>
-              <a:rPr lang="en-US" sz="900" dirty="0" smtClean="0"/>
-              <a:t>systems. </a:t>
-            </a:r>
-            <a:r>
-              <a:rPr lang="en-US" sz="900" dirty="0" smtClean="0"/>
-              <a:t>New </a:t>
-            </a:r>
-            <a:r>
-              <a:rPr lang="en-US" sz="900" dirty="0" smtClean="0"/>
-              <a:t>Journal of Physics </a:t>
-            </a:r>
-            <a:r>
-              <a:rPr lang="en-US" sz="900" dirty="0" smtClean="0"/>
-              <a:t>,</a:t>
-            </a:r>
-            <a:r>
-              <a:rPr lang="en-US" sz="900" dirty="0" smtClean="0"/>
-              <a:t> 14(2):</a:t>
-            </a:r>
-            <a:r>
-              <a:rPr lang="ru-RU" sz="900" dirty="0" smtClean="0"/>
-              <a:t> </a:t>
-            </a:r>
-            <a:r>
-              <a:rPr lang="ru-RU" sz="900" dirty="0" smtClean="0"/>
-              <a:t>023027</a:t>
-            </a:r>
-            <a:r>
-              <a:rPr lang="en-US" sz="900" dirty="0" smtClean="0"/>
-              <a:t>,</a:t>
-            </a:r>
-            <a:r>
-              <a:rPr lang="en-US" sz="900" dirty="0" smtClean="0"/>
-              <a:t> 2012</a:t>
-            </a:r>
-            <a:endParaRPr lang="en-US" sz="900" dirty="0" smtClean="0"/>
+              <a:t>, 2012</a:t>
+            </a:r>
           </a:p>
           <a:p>
             <a:pPr marL="228600" lvl="0" indent="-228600">
@@ -4971,19 +4758,7 @@
             </a:r>
             <a:r>
               <a:rPr lang="en-US" sz="900" dirty="0" smtClean="0"/>
-              <a:t>.</a:t>
-            </a:r>
-            <a:r>
-              <a:rPr lang="en-US" sz="900" dirty="0" smtClean="0"/>
-              <a:t> </a:t>
-            </a:r>
-            <a:r>
-              <a:rPr lang="en-US" sz="900" dirty="0" smtClean="0"/>
-              <a:t>Variational minimization of atomic and molecular ground-state energies via the two-particle reduced density </a:t>
-            </a:r>
-            <a:r>
-              <a:rPr lang="en-US" sz="900" dirty="0" smtClean="0"/>
-              <a:t>matrix.  </a:t>
+              <a:t>. Variational minimization of atomic and molecular ground-state energies via the two-particle reduced density matrix.  </a:t>
             </a:r>
             <a:r>
               <a:rPr lang="en-US" sz="900" dirty="0" err="1" smtClean="0"/>
@@ -4991,13 +4766,8 @@
             </a:r>
             <a:r>
               <a:rPr lang="en-US" sz="900" dirty="0" smtClean="0"/>
-              <a:t>, </a:t>
-            </a:r>
-            <a:r>
-              <a:rPr lang="en-US" sz="900" dirty="0" smtClean="0"/>
-              <a:t>65(6):062511, 2002</a:t>
-            </a:r>
-            <a:endParaRPr lang="en-US" sz="900" dirty="0" smtClean="0"/>
+              <a:t>, 65(6):062511, 2002</a:t>
+            </a:r>
           </a:p>
           <a:p>
             <a:pPr marL="228600" lvl="0" indent="-228600">
@@ -5013,25 +4783,8 @@
             </a:r>
             <a:r>
               <a:rPr lang="en-US" sz="900" dirty="0" smtClean="0"/>
-              <a:t>. </a:t>
-            </a:r>
-            <a:r>
-              <a:rPr lang="en-US" sz="900" dirty="0" smtClean="0"/>
-              <a:t>Some formal results for the valence bond </a:t>
-            </a:r>
-            <a:r>
-              <a:rPr lang="en-US" sz="900" dirty="0" smtClean="0"/>
-              <a:t>basis. </a:t>
-            </a:r>
-            <a:r>
-              <a:rPr lang="en-US" sz="900" dirty="0" smtClean="0"/>
-              <a:t>Nuclear Physics </a:t>
-            </a:r>
-            <a:r>
-              <a:rPr lang="en-US" sz="900" dirty="0" smtClean="0"/>
-              <a:t>B, 750(3):142–178, 2006</a:t>
-            </a:r>
-            <a:endParaRPr lang="en-US" sz="900" dirty="0" smtClean="0"/>
+              <a:t>. Some formal results for the valence bond basis. Nuclear Physics B, 750(3):142–178, 2006</a:t>
+            </a:r>
           </a:p>
           <a:p>
             <a:pPr marL="228600" lvl="0" indent="-228600">
@@ -5047,15 +4800,7 @@
             </a:r>
             <a:r>
               <a:rPr lang="en-US" sz="900" dirty="0" smtClean="0"/>
-              <a:t>, C. Y. </a:t>
-            </a:r>
-            <a:r>
-              <a:rPr lang="en-US" sz="900" dirty="0" smtClean="0"/>
-              <a:t>Pan. </a:t>
-            </a:r>
-            <a:r>
-              <a:rPr lang="en-US" sz="900" dirty="0" smtClean="0"/>
-              <a:t>Ground-State Energy of Heisenberg </a:t>
+              <a:t>, C. Y. Pan. Ground-State Energy of Heisenberg </a:t>
             </a:r>
             <a:r>
               <a:rPr lang="en-US" sz="900" dirty="0" err="1" smtClean="0"/>
@@ -5071,11 +4816,7 @@
             </a:r>
             <a:r>
               <a:rPr lang="en-US" sz="900" dirty="0" smtClean="0"/>
-              <a:t>., </a:t>
-            </a:r>
-            <a:r>
-              <a:rPr lang="en-US" sz="900" dirty="0" smtClean="0"/>
-              <a:t>61(4):</a:t>
+              <a:t>., 61(4):</a:t>
             </a:r>
             <a:r>
               <a:rPr lang="ru-RU" sz="900" dirty="0" smtClean="0"/>
@@ -5085,7 +4826,6 @@
               <a:rPr lang="en-US" sz="900" dirty="0" smtClean="0"/>
               <a:t>, 1988</a:t>
             </a:r>
-            <a:endParaRPr lang="en-US" sz="900" dirty="0" smtClean="0"/>
           </a:p>
           <a:p>
             <a:pPr marL="228600" lvl="0" indent="-228600">
@@ -5104,13 +4844,13 @@
       </p:sp>
       <p:sp>
         <p:nvSpPr>
-          <p:cNvPr id="51" name="TextBox 50"/>
+          <p:cNvPr id="59" name="TextBox 58"/>
           <p:cNvSpPr txBox="1"/>
           <p:nvPr/>
         </p:nvSpPr>
         <p:spPr>
           <a:xfrm>
-            <a:off x="4872608" y="6184776"/>
+            <a:off x="4872608" y="6832848"/>
             <a:ext cx="4392488" cy="276999"/>
           </a:xfrm>
           <a:prstGeom prst="rect">
@@ -5132,12 +4872,28 @@
           <a:lstStyle/>
           <a:p>
             <a:r>
+              <a:rPr lang="en-US" sz="1200" dirty="0" err="1" smtClean="0">
+                <a:solidFill>
+                  <a:schemeClr val="bg1"/>
+                </a:solidFill>
+              </a:rPr>
+              <a:t>Variational</a:t>
+            </a:r>
+            <a:r>
               <a:rPr lang="en-US" sz="1200" dirty="0" smtClean="0">
                 <a:solidFill>
                   <a:schemeClr val="bg1"/>
                 </a:solidFill>
               </a:rPr>
-              <a:t>Schrödinger equation</a:t>
+              <a:t> </a:t>
+            </a:r>
+            <a:r>
+              <a:rPr lang="en-US" sz="1200" dirty="0" smtClean="0">
+                <a:solidFill>
+                  <a:schemeClr val="bg1"/>
+                </a:solidFill>
+              </a:rPr>
+              <a:t>method example</a:t>
             </a:r>
             <a:endParaRPr lang="ru-RU" sz="1200" dirty="0">
               <a:solidFill>
@@ -5149,14 +4905,14 @@
       </p:sp>
       <p:sp>
         <p:nvSpPr>
-          <p:cNvPr id="52" name="TextBox 51"/>
+          <p:cNvPr id="60" name="TextBox 59"/>
           <p:cNvSpPr txBox="1"/>
           <p:nvPr/>
         </p:nvSpPr>
         <p:spPr>
           <a:xfrm>
-            <a:off x="4872608" y="6472808"/>
-            <a:ext cx="4392488" cy="2554545"/>
+            <a:off x="4872608" y="7120880"/>
+            <a:ext cx="4392488" cy="4093428"/>
           </a:xfrm>
           <a:prstGeom prst="rect">
             <a:avLst/>
@@ -5198,801 +4954,61 @@
             <a:endParaRPr lang="en-US" sz="1000" dirty="0" smtClean="0"/>
           </a:p>
           <a:p>
-            <a:r>
-              <a:rPr lang="en-US" sz="1000" dirty="0" smtClean="0"/>
-              <a:t>We take into account the symmetries of commutation of spins in cluster.</a:t>
-            </a:r>
-          </a:p>
-          <a:p>
-            <a:r>
-              <a:rPr lang="en-US" sz="1000" dirty="0" smtClean="0"/>
-              <a:t>Example:</a:t>
-            </a:r>
-          </a:p>
-          <a:p>
-            <a:endParaRPr lang="en-US" sz="1000" dirty="0" smtClean="0"/>
-          </a:p>
-          <a:p>
-            <a:endParaRPr lang="en-US" sz="1000" dirty="0" smtClean="0"/>
-          </a:p>
-          <a:p>
-            <a:endParaRPr lang="en-US" sz="1000" dirty="0" smtClean="0"/>
-          </a:p>
-          <a:p>
-            <a:endParaRPr lang="en-US" sz="1000" dirty="0" smtClean="0"/>
-          </a:p>
-          <a:p>
-            <a:endParaRPr lang="en-US" sz="1000" dirty="0" smtClean="0"/>
-          </a:p>
-          <a:p>
-            <a:endParaRPr lang="ru-RU" sz="1000" dirty="0"/>
-          </a:p>
-        </p:txBody>
-      </p:sp>
-      <p:graphicFrame>
-        <p:nvGraphicFramePr>
-          <p:cNvPr id="53" name="Объект 52"/>
-          <p:cNvGraphicFramePr>
-            <a:graphicFrameLocks noChangeAspect="1"/>
-          </p:cNvGraphicFramePr>
-          <p:nvPr/>
-        </p:nvGraphicFramePr>
-        <p:xfrm>
-          <a:off x="5520680" y="6472808"/>
-          <a:ext cx="3162300" cy="419100"/>
-        </p:xfrm>
-        <a:graphic>
-          <a:graphicData uri="http://schemas.openxmlformats.org/presentationml/2006/ole">
-            <p:oleObj spid="_x0000_s11291" name="Equation" r:id="rId21" imgW="3162240" imgH="419040" progId="Equation.DSMT4">
-              <p:embed/>
-            </p:oleObj>
-          </a:graphicData>
-        </a:graphic>
-      </p:graphicFrame>
-      <p:pic>
-        <p:nvPicPr>
-          <p:cNvPr id="54" name="Рисунок 53" descr="cluster-crest.png"/>
-          <p:cNvPicPr/>
-          <p:nvPr/>
-        </p:nvPicPr>
-        <p:blipFill>
-          <a:blip r:embed="rId22" cstate="print"/>
-          <a:stretch>
-            <a:fillRect/>
-          </a:stretch>
-        </p:blipFill>
-        <p:spPr>
-          <a:xfrm>
-            <a:off x="4944616" y="8128992"/>
-            <a:ext cx="792088" cy="720080"/>
-          </a:xfrm>
-          <a:prstGeom prst="rect">
-            <a:avLst/>
-          </a:prstGeom>
-        </p:spPr>
-      </p:pic>
-      <p:graphicFrame>
-        <p:nvGraphicFramePr>
-          <p:cNvPr id="55" name="Объект 54"/>
-          <p:cNvGraphicFramePr>
-            <a:graphicFrameLocks noChangeAspect="1"/>
-          </p:cNvGraphicFramePr>
-          <p:nvPr/>
-        </p:nvGraphicFramePr>
-        <p:xfrm>
-          <a:off x="5736704" y="7912968"/>
-          <a:ext cx="1916112" cy="1050925"/>
-        </p:xfrm>
-        <a:graphic>
-          <a:graphicData uri="http://schemas.openxmlformats.org/presentationml/2006/ole">
-            <p:oleObj spid="_x0000_s11292" name="Equation" r:id="rId23" imgW="3377880" imgH="1854000" progId="Equation.DSMT4">
-              <p:embed/>
-            </p:oleObj>
-          </a:graphicData>
-        </a:graphic>
-      </p:graphicFrame>
-      <p:graphicFrame>
-        <p:nvGraphicFramePr>
-          <p:cNvPr id="56" name="Объект 55"/>
-          <p:cNvGraphicFramePr>
-            <a:graphicFrameLocks noChangeAspect="1"/>
-          </p:cNvGraphicFramePr>
-          <p:nvPr/>
-        </p:nvGraphicFramePr>
-        <p:xfrm>
-          <a:off x="5283200" y="6977088"/>
-          <a:ext cx="2400300" cy="241300"/>
-        </p:xfrm>
-        <a:graphic>
-          <a:graphicData uri="http://schemas.openxmlformats.org/presentationml/2006/ole">
-            <p:oleObj spid="_x0000_s11293" name="Equation" r:id="rId24" imgW="2400120" imgH="241200" progId="Equation.DSMT4">
-              <p:embed/>
-            </p:oleObj>
-          </a:graphicData>
-        </a:graphic>
-      </p:graphicFrame>
-      <p:graphicFrame>
-        <p:nvGraphicFramePr>
-          <p:cNvPr id="57" name="Объект 56"/>
-          <p:cNvGraphicFramePr>
-            <a:graphicFrameLocks noChangeAspect="1"/>
-          </p:cNvGraphicFramePr>
-          <p:nvPr/>
-        </p:nvGraphicFramePr>
-        <p:xfrm>
-          <a:off x="7896944" y="6904856"/>
-          <a:ext cx="774700" cy="482600"/>
-        </p:xfrm>
-        <a:graphic>
-          <a:graphicData uri="http://schemas.openxmlformats.org/presentationml/2006/ole">
-            <p:oleObj spid="_x0000_s11294" name="Equation" r:id="rId25" imgW="774360" imgH="482400" progId="Equation.DSMT4">
-              <p:embed/>
-            </p:oleObj>
-          </a:graphicData>
-        </a:graphic>
-      </p:graphicFrame>
-      <p:graphicFrame>
-        <p:nvGraphicFramePr>
-          <p:cNvPr id="58" name="Объект 57"/>
-          <p:cNvGraphicFramePr>
-            <a:graphicFrameLocks noChangeAspect="1"/>
-          </p:cNvGraphicFramePr>
-          <p:nvPr/>
-        </p:nvGraphicFramePr>
-        <p:xfrm>
-          <a:off x="7824936" y="7840960"/>
-          <a:ext cx="1080268" cy="1150202"/>
-        </p:xfrm>
-        <a:graphic>
-          <a:graphicData uri="http://schemas.openxmlformats.org/presentationml/2006/ole">
-            <p:oleObj spid="_x0000_s11295" name="Equation" r:id="rId26" imgW="1574640" imgH="1676160" progId="Equation.DSMT4">
-              <p:embed/>
-            </p:oleObj>
-          </a:graphicData>
-        </a:graphic>
-      </p:graphicFrame>
-      <p:sp>
-        <p:nvSpPr>
-          <p:cNvPr id="59" name="TextBox 58"/>
-          <p:cNvSpPr txBox="1"/>
-          <p:nvPr/>
-        </p:nvSpPr>
-        <p:spPr>
-          <a:xfrm>
-            <a:off x="4872608" y="9353128"/>
-            <a:ext cx="4392488" cy="276999"/>
-          </a:xfrm>
-          <a:prstGeom prst="rect">
-            <a:avLst/>
-          </a:prstGeom>
-          <a:solidFill>
-            <a:schemeClr val="tx2"/>
-          </a:solidFill>
-          <a:ln>
-            <a:solidFill>
-              <a:schemeClr val="tx2"/>
-            </a:solidFill>
-          </a:ln>
-        </p:spPr>
-        <p:txBody>
-          <a:bodyPr wrap="square" rtlCol="0">
-            <a:spAutoFit/>
-          </a:bodyPr>
-          <a:lstStyle/>
-          <a:p>
-            <a:r>
-              <a:rPr lang="en-US" sz="1200" dirty="0" smtClean="0">
-                <a:solidFill>
-                  <a:schemeClr val="bg1"/>
-                </a:solidFill>
-              </a:rPr>
-              <a:t>Variational method</a:t>
-            </a:r>
-            <a:endParaRPr lang="ru-RU" sz="1200" dirty="0">
-              <a:solidFill>
-                <a:schemeClr val="bg1"/>
-              </a:solidFill>
-            </a:endParaRPr>
-          </a:p>
-        </p:txBody>
-      </p:sp>
-      <p:sp>
-        <p:nvSpPr>
-          <p:cNvPr id="60" name="TextBox 59"/>
-          <p:cNvSpPr txBox="1"/>
-          <p:nvPr/>
-        </p:nvSpPr>
-        <p:spPr>
-          <a:xfrm>
-            <a:off x="4872608" y="9641160"/>
-            <a:ext cx="4392488" cy="1631216"/>
-          </a:xfrm>
-          <a:prstGeom prst="rect">
-            <a:avLst/>
-          </a:prstGeom>
-          <a:noFill/>
-          <a:ln>
-            <a:solidFill>
-              <a:schemeClr val="tx2"/>
-            </a:solidFill>
-          </a:ln>
-        </p:spPr>
-        <p:txBody>
-          <a:bodyPr wrap="square" rtlCol="0">
-            <a:spAutoFit/>
-          </a:bodyPr>
-          <a:lstStyle/>
-          <a:p>
-            <a:r>
-              <a:rPr lang="en-US" sz="1000" dirty="0" smtClean="0"/>
-              <a:t>Numeric method: </a:t>
-            </a:r>
-          </a:p>
-          <a:p>
-            <a:endParaRPr lang="en-US" sz="1000" dirty="0" smtClean="0"/>
-          </a:p>
-          <a:p>
-            <a:endParaRPr lang="en-US" sz="1000" dirty="0" smtClean="0"/>
-          </a:p>
-          <a:p>
-            <a:r>
-              <a:rPr lang="en-US" sz="1000" dirty="0" smtClean="0"/>
-              <a:t>Lagrange method:</a:t>
-            </a:r>
-          </a:p>
-          <a:p>
-            <a:endParaRPr lang="en-US" sz="1000" dirty="0" smtClean="0"/>
-          </a:p>
-          <a:p>
-            <a:endParaRPr lang="en-US" sz="1000" dirty="0" smtClean="0"/>
-          </a:p>
-          <a:p>
-            <a:endParaRPr lang="en-US" sz="1000" dirty="0" smtClean="0"/>
-          </a:p>
-          <a:p>
-            <a:endParaRPr lang="en-US" sz="1000" dirty="0" smtClean="0"/>
-          </a:p>
-          <a:p>
-            <a:endParaRPr lang="en-US" sz="1000" dirty="0" smtClean="0"/>
-          </a:p>
-          <a:p>
-            <a:endParaRPr lang="en-US" sz="1000" dirty="0" smtClean="0"/>
-          </a:p>
-        </p:txBody>
-      </p:sp>
-      <p:graphicFrame>
-        <p:nvGraphicFramePr>
-          <p:cNvPr id="61" name="Объект 60"/>
-          <p:cNvGraphicFramePr>
-            <a:graphicFrameLocks noChangeAspect="1"/>
-          </p:cNvGraphicFramePr>
-          <p:nvPr/>
-        </p:nvGraphicFramePr>
-        <p:xfrm>
-          <a:off x="7104856" y="7408912"/>
-          <a:ext cx="711200" cy="254000"/>
-        </p:xfrm>
-        <a:graphic>
-          <a:graphicData uri="http://schemas.openxmlformats.org/presentationml/2006/ole">
-            <p:oleObj spid="_x0000_s11296" name="Equation" r:id="rId27" imgW="711000" imgH="253800" progId="Equation.DSMT4">
-              <p:embed/>
-            </p:oleObj>
-          </a:graphicData>
-        </a:graphic>
-      </p:graphicFrame>
-      <p:graphicFrame>
-        <p:nvGraphicFramePr>
-          <p:cNvPr id="62" name="Объект 61"/>
-          <p:cNvGraphicFramePr>
-            <a:graphicFrameLocks noChangeAspect="1"/>
-          </p:cNvGraphicFramePr>
-          <p:nvPr/>
-        </p:nvGraphicFramePr>
-        <p:xfrm>
-          <a:off x="6024736" y="7264896"/>
-          <a:ext cx="990600" cy="482600"/>
-        </p:xfrm>
-        <a:graphic>
-          <a:graphicData uri="http://schemas.openxmlformats.org/presentationml/2006/ole">
-            <p:oleObj spid="_x0000_s11297" name="Equation" r:id="rId28" imgW="990360" imgH="482400" progId="Equation.DSMT4">
-              <p:embed/>
-            </p:oleObj>
-          </a:graphicData>
-        </a:graphic>
-      </p:graphicFrame>
-      <p:graphicFrame>
-        <p:nvGraphicFramePr>
-          <p:cNvPr id="63" name="Объект 62"/>
-          <p:cNvGraphicFramePr>
-            <a:graphicFrameLocks noChangeAspect="1"/>
-          </p:cNvGraphicFramePr>
-          <p:nvPr/>
-        </p:nvGraphicFramePr>
-        <p:xfrm>
-          <a:off x="5952728" y="9641160"/>
-          <a:ext cx="1612900" cy="457200"/>
-        </p:xfrm>
-        <a:graphic>
-          <a:graphicData uri="http://schemas.openxmlformats.org/presentationml/2006/ole">
-            <p:oleObj spid="_x0000_s11298" name="Equation" r:id="rId29" imgW="1612800" imgH="457200" progId="Equation.DSMT4">
-              <p:embed/>
-            </p:oleObj>
-          </a:graphicData>
-        </a:graphic>
-      </p:graphicFrame>
-      <p:graphicFrame>
-        <p:nvGraphicFramePr>
-          <p:cNvPr id="64" name="Объект 63"/>
-          <p:cNvGraphicFramePr>
-            <a:graphicFrameLocks noChangeAspect="1"/>
-          </p:cNvGraphicFramePr>
-          <p:nvPr/>
-        </p:nvGraphicFramePr>
-        <p:xfrm>
-          <a:off x="4944616" y="10289232"/>
-          <a:ext cx="1663700" cy="533400"/>
-        </p:xfrm>
-        <a:graphic>
-          <a:graphicData uri="http://schemas.openxmlformats.org/presentationml/2006/ole">
-            <p:oleObj spid="_x0000_s11299" name="Equation" r:id="rId30" imgW="1663560" imgH="533160" progId="Equation.DSMT4">
-              <p:embed/>
-            </p:oleObj>
-          </a:graphicData>
-        </a:graphic>
-      </p:graphicFrame>
-      <p:graphicFrame>
-        <p:nvGraphicFramePr>
-          <p:cNvPr id="65" name="Объект 64"/>
-          <p:cNvGraphicFramePr>
-            <a:graphicFrameLocks noChangeAspect="1"/>
-          </p:cNvGraphicFramePr>
-          <p:nvPr/>
-        </p:nvGraphicFramePr>
-        <p:xfrm>
-          <a:off x="6960840" y="10145216"/>
-          <a:ext cx="1930400" cy="1041400"/>
-        </p:xfrm>
-        <a:graphic>
-          <a:graphicData uri="http://schemas.openxmlformats.org/presentationml/2006/ole">
-            <p:oleObj spid="_x0000_s11300" name="Equation" r:id="rId31" imgW="1930320" imgH="1041120" progId="Equation.DSMT4">
-              <p:embed/>
-            </p:oleObj>
-          </a:graphicData>
-        </a:graphic>
-      </p:graphicFrame>
-      <p:graphicFrame>
-        <p:nvGraphicFramePr>
-          <p:cNvPr id="67" name="Таблица 66"/>
-          <p:cNvGraphicFramePr>
-            <a:graphicFrameLocks noGrp="1"/>
-          </p:cNvGraphicFramePr>
-          <p:nvPr/>
-        </p:nvGraphicFramePr>
-        <p:xfrm>
-          <a:off x="3288432" y="10073208"/>
-          <a:ext cx="1400200" cy="1203960"/>
-        </p:xfrm>
-        <a:graphic>
-          <a:graphicData uri="http://schemas.openxmlformats.org/drawingml/2006/table">
-            <a:tbl>
-              <a:tblPr firstRow="1" bandRow="1">
-                <a:tableStyleId>{5C22544A-7EE6-4342-B048-85BDC9FD1C3A}</a:tableStyleId>
-              </a:tblPr>
-              <a:tblGrid>
-                <a:gridCol w="700100"/>
-                <a:gridCol w="700100"/>
-              </a:tblGrid>
-              <a:tr h="129614">
-                <a:tc>
-                  <a:txBody>
-                    <a:bodyPr/>
-                    <a:lstStyle/>
-                    <a:p>
-                      <a:r>
-                        <a:rPr lang="en-US" sz="800" dirty="0" smtClean="0"/>
-                        <a:t>cluster</a:t>
-                      </a:r>
-                      <a:endParaRPr lang="ru-RU" sz="800" dirty="0"/>
-                    </a:p>
-                  </a:txBody>
-                  <a:tcPr/>
-                </a:tc>
-                <a:tc>
-                  <a:txBody>
-                    <a:bodyPr/>
-                    <a:lstStyle/>
-                    <a:p>
-                      <a:r>
-                        <a:rPr lang="en-US" sz="800" dirty="0" err="1" smtClean="0"/>
-                        <a:t>E</a:t>
-                      </a:r>
-                      <a:r>
-                        <a:rPr lang="en-US" sz="800" baseline="-25000" dirty="0" err="1" smtClean="0"/>
-                        <a:t>gs</a:t>
-                      </a:r>
-                      <a:r>
-                        <a:rPr lang="en-US" sz="800" baseline="0" dirty="0" smtClean="0"/>
-                        <a:t>/N &gt;</a:t>
-                      </a:r>
-                      <a:endParaRPr lang="ru-RU" sz="800" baseline="-25000" dirty="0"/>
-                    </a:p>
-                  </a:txBody>
-                  <a:tcPr/>
-                </a:tc>
-              </a:tr>
-              <a:tr h="129614">
-                <a:tc>
-                  <a:txBody>
-                    <a:bodyPr/>
-                    <a:lstStyle/>
-                    <a:p>
-                      <a:endParaRPr lang="ru-RU" sz="700" dirty="0"/>
-                    </a:p>
-                  </a:txBody>
-                  <a:tcPr/>
-                </a:tc>
-                <a:tc>
-                  <a:txBody>
-                    <a:bodyPr/>
-                    <a:lstStyle/>
-                    <a:p>
-                      <a:pPr marL="0" marR="0" indent="0" algn="l" defTabSz="1280160" rtl="0" eaLnBrk="1" fontAlgn="auto" latinLnBrk="0" hangingPunct="1">
-                        <a:lnSpc>
-                          <a:spcPct val="100000"/>
-                        </a:lnSpc>
-                        <a:spcBef>
-                          <a:spcPts val="0"/>
-                        </a:spcBef>
-                        <a:spcAft>
-                          <a:spcPts val="0"/>
-                        </a:spcAft>
-                        <a:buClrTx/>
-                        <a:buSzTx/>
-                        <a:buFontTx/>
-                        <a:buNone/>
-                        <a:tabLst/>
-                        <a:defRPr/>
-                      </a:pPr>
-                      <a:r>
-                        <a:rPr lang="ru-RU" sz="700" dirty="0" smtClean="0"/>
-                        <a:t>-2.1547</a:t>
-                      </a:r>
-                      <a:endParaRPr lang="ru-RU" sz="700" dirty="0"/>
-                    </a:p>
-                  </a:txBody>
-                  <a:tcPr/>
-                </a:tc>
-              </a:tr>
-              <a:tr h="129614">
-                <a:tc>
-                  <a:txBody>
-                    <a:bodyPr/>
-                    <a:lstStyle/>
-                    <a:p>
-                      <a:endParaRPr lang="ru-RU" sz="700" dirty="0"/>
-                    </a:p>
-                  </a:txBody>
-                  <a:tcPr/>
-                </a:tc>
-                <a:tc>
-                  <a:txBody>
-                    <a:bodyPr/>
-                    <a:lstStyle/>
-                    <a:p>
-                      <a:pPr marL="0" marR="0" indent="0" algn="l" defTabSz="1280160" rtl="0" eaLnBrk="1" fontAlgn="auto" latinLnBrk="0" hangingPunct="1">
-                        <a:lnSpc>
-                          <a:spcPct val="100000"/>
-                        </a:lnSpc>
-                        <a:spcBef>
-                          <a:spcPts val="0"/>
-                        </a:spcBef>
-                        <a:spcAft>
-                          <a:spcPts val="0"/>
-                        </a:spcAft>
-                        <a:buClrTx/>
-                        <a:buSzTx/>
-                        <a:buFontTx/>
-                        <a:buNone/>
-                        <a:tabLst/>
-                        <a:defRPr/>
-                      </a:pPr>
-                      <a:r>
-                        <a:rPr lang="ru-RU" sz="700" dirty="0" smtClean="0"/>
-                        <a:t>-1.92789</a:t>
-                      </a:r>
-                      <a:endParaRPr lang="ru-RU" sz="700" dirty="0"/>
-                    </a:p>
-                  </a:txBody>
-                  <a:tcPr/>
-                </a:tc>
-              </a:tr>
-              <a:tr h="129614">
-                <a:tc>
-                  <a:txBody>
-                    <a:bodyPr/>
-                    <a:lstStyle/>
-                    <a:p>
-                      <a:endParaRPr lang="ru-RU" sz="700" dirty="0"/>
-                    </a:p>
-                  </a:txBody>
-                  <a:tcPr/>
-                </a:tc>
-                <a:tc>
-                  <a:txBody>
-                    <a:bodyPr/>
-                    <a:lstStyle/>
-                    <a:p>
-                      <a:pPr marL="0" marR="0" indent="0" algn="l" defTabSz="1280160" rtl="0" eaLnBrk="1" fontAlgn="auto" latinLnBrk="0" hangingPunct="1">
-                        <a:lnSpc>
-                          <a:spcPct val="100000"/>
-                        </a:lnSpc>
-                        <a:spcBef>
-                          <a:spcPts val="0"/>
-                        </a:spcBef>
-                        <a:spcAft>
-                          <a:spcPts val="0"/>
-                        </a:spcAft>
-                        <a:buClrTx/>
-                        <a:buSzTx/>
-                        <a:buFontTx/>
-                        <a:buNone/>
-                        <a:tabLst/>
-                        <a:defRPr/>
-                      </a:pPr>
-                      <a:r>
-                        <a:rPr lang="ru-RU" sz="700" dirty="0" smtClean="0"/>
-                        <a:t>-1.99486</a:t>
-                      </a:r>
-                      <a:endParaRPr lang="ru-RU" sz="700" dirty="0"/>
-                    </a:p>
-                  </a:txBody>
-                  <a:tcPr/>
-                </a:tc>
-              </a:tr>
-              <a:tr h="129614">
-                <a:tc>
-                  <a:txBody>
-                    <a:bodyPr/>
-                    <a:lstStyle/>
-                    <a:p>
-                      <a:endParaRPr lang="ru-RU" sz="700" dirty="0"/>
-                    </a:p>
-                  </a:txBody>
-                  <a:tcPr/>
-                </a:tc>
-                <a:tc>
-                  <a:txBody>
-                    <a:bodyPr/>
-                    <a:lstStyle/>
-                    <a:p>
-                      <a:pPr marL="0" marR="0" indent="0" algn="l" defTabSz="1280160" rtl="0" eaLnBrk="1" fontAlgn="auto" latinLnBrk="0" hangingPunct="1">
-                        <a:lnSpc>
-                          <a:spcPct val="100000"/>
-                        </a:lnSpc>
-                        <a:spcBef>
-                          <a:spcPts val="0"/>
-                        </a:spcBef>
-                        <a:spcAft>
-                          <a:spcPts val="0"/>
-                        </a:spcAft>
-                        <a:buClrTx/>
-                        <a:buSzTx/>
-                        <a:buFontTx/>
-                        <a:buNone/>
-                        <a:tabLst/>
-                        <a:defRPr/>
-                      </a:pPr>
-                      <a:r>
-                        <a:rPr lang="ru-RU" sz="700" dirty="0" smtClean="0"/>
-                        <a:t>-1.89083</a:t>
-                      </a:r>
-                      <a:endParaRPr lang="ru-RU" sz="700" dirty="0"/>
-                    </a:p>
-                  </a:txBody>
-                  <a:tcPr/>
-                </a:tc>
-              </a:tr>
-              <a:tr h="129614">
-                <a:tc>
-                  <a:txBody>
-                    <a:bodyPr/>
-                    <a:lstStyle/>
-                    <a:p>
-                      <a:endParaRPr lang="ru-RU" sz="700" dirty="0"/>
-                    </a:p>
-                  </a:txBody>
-                  <a:tcPr/>
-                </a:tc>
-                <a:tc>
-                  <a:txBody>
-                    <a:bodyPr/>
-                    <a:lstStyle/>
-                    <a:p>
-                      <a:pPr marL="0" marR="0" indent="0" algn="l" defTabSz="1280160" rtl="0" eaLnBrk="1" fontAlgn="auto" latinLnBrk="0" hangingPunct="1">
-                        <a:lnSpc>
-                          <a:spcPct val="100000"/>
-                        </a:lnSpc>
-                        <a:spcBef>
-                          <a:spcPts val="0"/>
-                        </a:spcBef>
-                        <a:spcAft>
-                          <a:spcPts val="0"/>
-                        </a:spcAft>
-                        <a:buClrTx/>
-                        <a:buSzTx/>
-                        <a:buFontTx/>
-                        <a:buNone/>
-                        <a:tabLst/>
-                        <a:defRPr/>
-                      </a:pPr>
-                      <a:r>
-                        <a:rPr lang="ru-RU" sz="700" dirty="0" smtClean="0"/>
-                        <a:t>-1.92853</a:t>
-                      </a:r>
-                      <a:endParaRPr lang="ru-RU" sz="700" dirty="0"/>
-                    </a:p>
-                  </a:txBody>
-                  <a:tcPr/>
-                </a:tc>
-              </a:tr>
-            </a:tbl>
-          </a:graphicData>
-        </a:graphic>
-      </p:graphicFrame>
-      <p:pic>
-        <p:nvPicPr>
-          <p:cNvPr id="68" name="Рисунок 67" descr="line4.png"/>
-          <p:cNvPicPr/>
-          <p:nvPr/>
-        </p:nvPicPr>
-        <p:blipFill>
-          <a:blip r:embed="rId32" cstate="print"/>
-          <a:stretch>
-            <a:fillRect/>
-          </a:stretch>
-        </p:blipFill>
-        <p:spPr>
-          <a:xfrm>
-            <a:off x="3288432" y="10361240"/>
-            <a:ext cx="648072" cy="106684"/>
-          </a:xfrm>
-          <a:prstGeom prst="rect">
-            <a:avLst/>
-          </a:prstGeom>
-        </p:spPr>
-      </p:pic>
-      <p:pic>
-        <p:nvPicPr>
-          <p:cNvPr id="69" name="Рисунок 68" descr="line5.png"/>
-          <p:cNvPicPr/>
-          <p:nvPr/>
-        </p:nvPicPr>
-        <p:blipFill>
-          <a:blip r:embed="rId33" cstate="print"/>
-          <a:stretch>
-            <a:fillRect/>
-          </a:stretch>
-        </p:blipFill>
-        <p:spPr>
-          <a:xfrm>
-            <a:off x="3288432" y="10577264"/>
-            <a:ext cx="648072" cy="89346"/>
-          </a:xfrm>
-          <a:prstGeom prst="rect">
-            <a:avLst/>
-          </a:prstGeom>
-        </p:spPr>
-      </p:pic>
-      <p:pic>
-        <p:nvPicPr>
-          <p:cNvPr id="70" name="Рисунок 69" descr="line6.png"/>
-          <p:cNvPicPr/>
-          <p:nvPr/>
-        </p:nvPicPr>
-        <p:blipFill>
-          <a:blip r:embed="rId34" cstate="print"/>
-          <a:stretch>
-            <a:fillRect/>
-          </a:stretch>
-        </p:blipFill>
-        <p:spPr>
-          <a:xfrm>
-            <a:off x="3288432" y="10721280"/>
-            <a:ext cx="648072" cy="106684"/>
-          </a:xfrm>
-          <a:prstGeom prst="rect">
-            <a:avLst/>
-          </a:prstGeom>
-        </p:spPr>
-      </p:pic>
-      <p:pic>
-        <p:nvPicPr>
-          <p:cNvPr id="71" name="Рисунок 70" descr="line7.png"/>
-          <p:cNvPicPr/>
-          <p:nvPr/>
-        </p:nvPicPr>
-        <p:blipFill>
-          <a:blip r:embed="rId35" cstate="print"/>
-          <a:stretch>
-            <a:fillRect/>
-          </a:stretch>
-        </p:blipFill>
-        <p:spPr>
-          <a:xfrm>
-            <a:off x="3288432" y="10937304"/>
-            <a:ext cx="648072" cy="89346"/>
-          </a:xfrm>
-          <a:prstGeom prst="rect">
-            <a:avLst/>
-          </a:prstGeom>
-        </p:spPr>
-      </p:pic>
-      <p:pic>
-        <p:nvPicPr>
-          <p:cNvPr id="72" name="Рисунок 71" descr="line8.png"/>
-          <p:cNvPicPr/>
-          <p:nvPr/>
-        </p:nvPicPr>
-        <p:blipFill>
-          <a:blip r:embed="rId36" cstate="print"/>
-          <a:stretch>
-            <a:fillRect/>
-          </a:stretch>
-        </p:blipFill>
-        <p:spPr>
-          <a:xfrm>
-            <a:off x="3288432" y="11153328"/>
-            <a:ext cx="648072" cy="89346"/>
-          </a:xfrm>
-          <a:prstGeom prst="rect">
-            <a:avLst/>
-          </a:prstGeom>
-        </p:spPr>
-      </p:pic>
-      <p:pic>
-        <p:nvPicPr>
-          <p:cNvPr id="73" name="Рисунок 72" descr="lattice-crest.png"/>
-          <p:cNvPicPr/>
-          <p:nvPr/>
-        </p:nvPicPr>
-        <p:blipFill>
-          <a:blip r:embed="rId37" cstate="print"/>
-          <a:stretch>
-            <a:fillRect/>
-          </a:stretch>
-        </p:blipFill>
-        <p:spPr>
-          <a:xfrm>
-            <a:off x="624136" y="10361240"/>
-            <a:ext cx="720080" cy="288032"/>
-          </a:xfrm>
-          <a:prstGeom prst="rect">
-            <a:avLst/>
-          </a:prstGeom>
-        </p:spPr>
-      </p:pic>
-      <p:pic>
-        <p:nvPicPr>
-          <p:cNvPr id="74" name="Рисунок 73" descr="lattice-double-crest.png"/>
-          <p:cNvPicPr/>
-          <p:nvPr/>
-        </p:nvPicPr>
-        <p:blipFill>
-          <a:blip r:embed="rId38" cstate="print"/>
-          <a:stretch>
-            <a:fillRect/>
-          </a:stretch>
-        </p:blipFill>
-        <p:spPr>
-          <a:xfrm>
-            <a:off x="624136" y="10721280"/>
-            <a:ext cx="720080" cy="360040"/>
-          </a:xfrm>
-          <a:prstGeom prst="rect">
-            <a:avLst/>
-          </a:prstGeom>
-        </p:spPr>
-      </p:pic>
+            <a:endParaRPr lang="en-US" sz="1000" dirty="0" smtClean="0"/>
+          </a:p>
+          <a:p>
+            <a:endParaRPr lang="en-US" sz="1000" dirty="0" smtClean="0"/>
+          </a:p>
+          <a:p>
+            <a:endParaRPr lang="en-US" sz="1000" dirty="0" smtClean="0"/>
+          </a:p>
+          <a:p>
+            <a:endParaRPr lang="en-US" sz="1000" dirty="0" smtClean="0"/>
+          </a:p>
+          <a:p>
+            <a:endParaRPr lang="en-US" sz="1000" dirty="0" smtClean="0"/>
+          </a:p>
+          <a:p>
+            <a:endParaRPr lang="en-US" sz="1000" dirty="0" smtClean="0"/>
+          </a:p>
+          <a:p>
+            <a:endParaRPr lang="en-US" sz="1000" dirty="0" smtClean="0"/>
+          </a:p>
+          <a:p>
+            <a:endParaRPr lang="en-US" sz="1000" dirty="0" smtClean="0"/>
+          </a:p>
+          <a:p>
+            <a:endParaRPr lang="en-US" sz="1000" dirty="0" smtClean="0"/>
+          </a:p>
+          <a:p>
+            <a:endParaRPr lang="en-US" sz="1000" dirty="0" smtClean="0"/>
+          </a:p>
+          <a:p>
+            <a:endParaRPr lang="en-US" sz="1000" dirty="0" smtClean="0"/>
+          </a:p>
+          <a:p>
+            <a:endParaRPr lang="en-US" sz="1000" dirty="0" smtClean="0"/>
+          </a:p>
+          <a:p>
+            <a:endParaRPr lang="en-US" sz="1000" dirty="0" smtClean="0"/>
+          </a:p>
+          <a:p>
+            <a:endParaRPr lang="en-US" sz="1000" dirty="0" smtClean="0"/>
+          </a:p>
+          <a:p>
+            <a:endParaRPr lang="en-US" sz="1000" dirty="0" smtClean="0"/>
+          </a:p>
+          <a:p>
+            <a:endParaRPr lang="en-US" sz="1000" dirty="0" smtClean="0"/>
+          </a:p>
+          <a:p>
+            <a:endParaRPr lang="en-US" sz="1000" dirty="0" smtClean="0"/>
+          </a:p>
+          <a:p>
+            <a:endParaRPr lang="en-US" sz="1000" dirty="0" smtClean="0"/>
+          </a:p>
+        </p:txBody>
+      </p:sp>
       <p:graphicFrame>
         <p:nvGraphicFramePr>
           <p:cNvPr id="66" name="Объект 65"/>
@@ -6002,12 +5018,12 @@
           <p:nvPr/>
         </p:nvGraphicFramePr>
         <p:xfrm>
-          <a:off x="408112" y="5392688"/>
+          <a:off x="408112" y="6184776"/>
           <a:ext cx="3816424" cy="204529"/>
         </p:xfrm>
         <a:graphic>
           <a:graphicData uri="http://schemas.openxmlformats.org/presentationml/2006/ole">
-            <p:oleObj spid="_x0000_s11301" name="Equation" r:id="rId39" imgW="4267080" imgH="228600" progId="Equation.DSMT4">
+            <p:oleObj spid="_x0000_s11301" name="Equation" r:id="rId20" imgW="4267080" imgH="228600" progId="Equation.DSMT4">
               <p:embed/>
             </p:oleObj>
           </a:graphicData>
@@ -6021,7 +5037,7 @@
         </p:nvSpPr>
         <p:spPr>
           <a:xfrm>
-            <a:off x="984176" y="4096544"/>
+            <a:off x="984176" y="4456584"/>
             <a:ext cx="1656184" cy="648072"/>
           </a:xfrm>
           <a:prstGeom prst="rect">
@@ -6068,12 +5084,12 @@
           <p:nvPr/>
         </p:nvGraphicFramePr>
         <p:xfrm>
-          <a:off x="7392888" y="5132190"/>
-          <a:ext cx="1864144" cy="712812"/>
+          <a:off x="7392988" y="4677098"/>
+          <a:ext cx="1682750" cy="1122362"/>
         </p:xfrm>
         <a:graphic>
           <a:graphicData uri="http://schemas.openxmlformats.org/presentationml/2006/ole">
-            <p:oleObj spid="_x0000_s11303" name="Equation" r:id="rId40" imgW="3276360" imgH="1257120" progId="Equation.DSMT4">
+            <p:oleObj spid="_x0000_s11303" name="Equation" r:id="rId21" imgW="2958840" imgH="1981080" progId="Equation.DSMT4">
               <p:embed/>
             </p:oleObj>
           </a:graphicData>
@@ -6087,7 +5103,7 @@
         </p:nvSpPr>
         <p:spPr>
           <a:xfrm>
-            <a:off x="4872608" y="5320680"/>
+            <a:off x="4872608" y="5104656"/>
             <a:ext cx="1872208" cy="360040"/>
           </a:xfrm>
           <a:prstGeom prst="rect">
@@ -6134,17 +5150,81 @@
           <p:nvPr/>
         </p:nvGraphicFramePr>
         <p:xfrm>
-          <a:off x="2784376" y="4240560"/>
+          <a:off x="2784376" y="4600600"/>
           <a:ext cx="1872208" cy="401187"/>
         </p:xfrm>
         <a:graphic>
           <a:graphicData uri="http://schemas.openxmlformats.org/presentationml/2006/ole">
-            <p:oleObj spid="_x0000_s11304" name="Equation" r:id="rId41" imgW="2133360" imgH="457200" progId="Equation.DSMT4">
+            <p:oleObj spid="_x0000_s11304" name="Equation" r:id="rId22" imgW="2133360" imgH="457200" progId="Equation.DSMT4">
               <p:embed/>
             </p:oleObj>
           </a:graphicData>
         </a:graphic>
       </p:graphicFrame>
+      <p:graphicFrame>
+        <p:nvGraphicFramePr>
+          <p:cNvPr id="75" name="Объект 74"/>
+          <p:cNvGraphicFramePr>
+            <a:graphicFrameLocks noChangeAspect="1"/>
+          </p:cNvGraphicFramePr>
+          <p:nvPr/>
+        </p:nvGraphicFramePr>
+        <p:xfrm>
+          <a:off x="4944616" y="5896744"/>
+          <a:ext cx="2374900" cy="304800"/>
+        </p:xfrm>
+        <a:graphic>
+          <a:graphicData uri="http://schemas.openxmlformats.org/presentationml/2006/ole">
+            <p:oleObj spid="_x0000_s11305" name="Equation" r:id="rId23" imgW="2374560" imgH="304560" progId="Equation.DSMT4">
+              <p:embed/>
+            </p:oleObj>
+          </a:graphicData>
+        </a:graphic>
+      </p:graphicFrame>
+      <p:graphicFrame>
+        <p:nvGraphicFramePr>
+          <p:cNvPr id="48" name="Объект 47"/>
+          <p:cNvGraphicFramePr>
+            <a:graphicFrameLocks noChangeAspect="1"/>
+          </p:cNvGraphicFramePr>
+          <p:nvPr/>
+        </p:nvGraphicFramePr>
+        <p:xfrm>
+          <a:off x="4944616" y="7192888"/>
+          <a:ext cx="4214813" cy="3943350"/>
+        </p:xfrm>
+        <a:graphic>
+          <a:graphicData uri="http://schemas.openxmlformats.org/presentationml/2006/ole">
+            <p:oleObj spid="_x0000_s11306" name="Equation" r:id="rId24" imgW="5003640" imgH="4686120" progId="Equation.DSMT4">
+              <p:embed/>
+            </p:oleObj>
+          </a:graphicData>
+        </a:graphic>
+      </p:graphicFrame>
+      <p:pic>
+        <p:nvPicPr>
+          <p:cNvPr id="49" name="Рисунок 48" descr="line4.png"/>
+          <p:cNvPicPr>
+            <a:picLocks noChangeAspect="1"/>
+          </p:cNvPicPr>
+          <p:nvPr/>
+        </p:nvPicPr>
+        <p:blipFill>
+          <a:blip r:embed="rId25" cstate="print"/>
+          <a:stretch>
+            <a:fillRect/>
+          </a:stretch>
+        </p:blipFill>
+        <p:spPr>
+          <a:xfrm>
+            <a:off x="7464896" y="7192888"/>
+            <a:ext cx="1726964" cy="189966"/>
+          </a:xfrm>
+          <a:prstGeom prst="rect">
+            <a:avLst/>
+          </a:prstGeom>
+        </p:spPr>
+      </p:pic>
     </p:spTree>
   </p:cSld>
   <p:clrMapOvr>
